--- a/presentations/01keynote.pptx
+++ b/presentations/01keynote.pptx
@@ -11,19 +11,21 @@
     <p:sldMasterId id="2147483758" r:id="rId7"/>
   </p:sldMasterIdLst>
   <p:notesMasterIdLst>
-    <p:notesMasterId r:id="rId18"/>
+    <p:notesMasterId r:id="rId20"/>
   </p:notesMasterIdLst>
   <p:sldIdLst>
     <p:sldId id="297" r:id="rId8"/>
-    <p:sldId id="298" r:id="rId9"/>
-    <p:sldId id="300" r:id="rId10"/>
-    <p:sldId id="270" r:id="rId11"/>
-    <p:sldId id="271" r:id="rId12"/>
-    <p:sldId id="272" r:id="rId13"/>
-    <p:sldId id="273" r:id="rId14"/>
-    <p:sldId id="276" r:id="rId15"/>
-    <p:sldId id="289" r:id="rId16"/>
-    <p:sldId id="263" r:id="rId17"/>
+    <p:sldId id="301" r:id="rId9"/>
+    <p:sldId id="298" r:id="rId10"/>
+    <p:sldId id="302" r:id="rId11"/>
+    <p:sldId id="300" r:id="rId12"/>
+    <p:sldId id="270" r:id="rId13"/>
+    <p:sldId id="271" r:id="rId14"/>
+    <p:sldId id="272" r:id="rId15"/>
+    <p:sldId id="273" r:id="rId16"/>
+    <p:sldId id="276" r:id="rId17"/>
+    <p:sldId id="289" r:id="rId18"/>
+    <p:sldId id="263" r:id="rId19"/>
   </p:sldIdLst>
   <p:sldSz cx="12192000" cy="6858000"/>
   <p:notesSz cx="6858000" cy="9144000"/>
@@ -215,7 +217,7 @@
           <a:p>
             <a:fld id="{0E990FE3-7537-4D15-A9F5-FDF1805FD5F8}" type="datetimeFigureOut">
               <a:rPr lang="en-US" smtClean="0"/>
-              <a:t>2/10/2015</a:t>
+              <a:t>2/11/2015</a:t>
             </a:fld>
             <a:endParaRPr lang="en-US"/>
           </a:p>
@@ -650,26 +652,17 @@
           <a:lstStyle/>
           <a:p>
             <a:fld id="{6E8C67A6-C0E7-47DF-97C2-CA9B11275397}" type="slidenum">
-              <a:rPr lang="en-US" smtClean="0">
-                <a:solidFill>
-                  <a:prstClr val="black"/>
-                </a:solidFill>
-              </a:rPr>
-              <a:pPr/>
+              <a:rPr lang="en-US" smtClean="0"/>
               <a:t>2</a:t>
             </a:fld>
-            <a:endParaRPr lang="en-US">
-              <a:solidFill>
-                <a:prstClr val="black"/>
-              </a:solidFill>
-            </a:endParaRPr>
+            <a:endParaRPr lang="en-US"/>
           </a:p>
         </p:txBody>
       </p:sp>
     </p:spTree>
     <p:extLst>
       <p:ext uri="{BB962C8B-B14F-4D97-AF65-F5344CB8AC3E}">
-        <p14:creationId xmlns:p14="http://schemas.microsoft.com/office/powerpoint/2010/main" val="1815380686"/>
+        <p14:creationId xmlns:p14="http://schemas.microsoft.com/office/powerpoint/2010/main" val="3162492141"/>
       </p:ext>
     </p:extLst>
   </p:cSld>
@@ -743,17 +736,26 @@
           <a:lstStyle/>
           <a:p>
             <a:fld id="{6E8C67A6-C0E7-47DF-97C2-CA9B11275397}" type="slidenum">
-              <a:rPr lang="en-US" smtClean="0"/>
+              <a:rPr lang="en-US" smtClean="0">
+                <a:solidFill>
+                  <a:prstClr val="black"/>
+                </a:solidFill>
+              </a:rPr>
+              <a:pPr/>
               <a:t>3</a:t>
             </a:fld>
-            <a:endParaRPr lang="en-US"/>
+            <a:endParaRPr lang="en-US">
+              <a:solidFill>
+                <a:prstClr val="black"/>
+              </a:solidFill>
+            </a:endParaRPr>
           </a:p>
         </p:txBody>
       </p:sp>
     </p:spTree>
     <p:extLst>
       <p:ext uri="{BB962C8B-B14F-4D97-AF65-F5344CB8AC3E}">
-        <p14:creationId xmlns:p14="http://schemas.microsoft.com/office/powerpoint/2010/main" val="4276728136"/>
+        <p14:creationId xmlns:p14="http://schemas.microsoft.com/office/powerpoint/2010/main" val="1815380686"/>
       </p:ext>
     </p:extLst>
   </p:cSld>
@@ -807,7 +809,7 @@
           <a:bodyPr/>
           <a:lstStyle/>
           <a:p>
-            <a:endParaRPr lang="en-US"/>
+            <a:endParaRPr lang="en-US" dirty="0"/>
           </a:p>
         </p:txBody>
       </p:sp>
@@ -826,19 +828,18 @@
           <a:bodyPr/>
           <a:lstStyle/>
           <a:p>
-            <a:fld id="{82AABF77-E2E4-44CA-BA5C-65E132CF08D8}" type="slidenum">
+            <a:fld id="{6E8C67A6-C0E7-47DF-97C2-CA9B11275397}" type="slidenum">
               <a:rPr lang="en-US" smtClean="0"/>
-              <a:pPr/>
-              <a:t>4</a:t>
+              <a:t>5</a:t>
             </a:fld>
-            <a:endParaRPr lang="en-US" dirty="0"/>
+            <a:endParaRPr lang="en-US"/>
           </a:p>
         </p:txBody>
       </p:sp>
     </p:spTree>
     <p:extLst>
       <p:ext uri="{BB962C8B-B14F-4D97-AF65-F5344CB8AC3E}">
-        <p14:creationId xmlns:p14="http://schemas.microsoft.com/office/powerpoint/2010/main" val="3501333702"/>
+        <p14:creationId xmlns:p14="http://schemas.microsoft.com/office/powerpoint/2010/main" val="4276728136"/>
       </p:ext>
     </p:extLst>
   </p:cSld>
@@ -914,7 +915,7 @@
             <a:fld id="{82AABF77-E2E4-44CA-BA5C-65E132CF08D8}" type="slidenum">
               <a:rPr lang="en-US" smtClean="0"/>
               <a:pPr/>
-              <a:t>5</a:t>
+              <a:t>6</a:t>
             </a:fld>
             <a:endParaRPr lang="en-US" dirty="0"/>
           </a:p>
@@ -923,7 +924,7 @@
     </p:spTree>
     <p:extLst>
       <p:ext uri="{BB962C8B-B14F-4D97-AF65-F5344CB8AC3E}">
-        <p14:creationId xmlns:p14="http://schemas.microsoft.com/office/powerpoint/2010/main" val="2124379853"/>
+        <p14:creationId xmlns:p14="http://schemas.microsoft.com/office/powerpoint/2010/main" val="3501333702"/>
       </p:ext>
     </p:extLst>
   </p:cSld>
@@ -999,7 +1000,7 @@
             <a:fld id="{82AABF77-E2E4-44CA-BA5C-65E132CF08D8}" type="slidenum">
               <a:rPr lang="en-US" smtClean="0"/>
               <a:pPr/>
-              <a:t>6</a:t>
+              <a:t>7</a:t>
             </a:fld>
             <a:endParaRPr lang="en-US" dirty="0"/>
           </a:p>
@@ -1008,7 +1009,7 @@
     </p:spTree>
     <p:extLst>
       <p:ext uri="{BB962C8B-B14F-4D97-AF65-F5344CB8AC3E}">
-        <p14:creationId xmlns:p14="http://schemas.microsoft.com/office/powerpoint/2010/main" val="609851695"/>
+        <p14:creationId xmlns:p14="http://schemas.microsoft.com/office/powerpoint/2010/main" val="2124379853"/>
       </p:ext>
     </p:extLst>
   </p:cSld>
@@ -1093,7 +1094,7 @@
     </p:spTree>
     <p:extLst>
       <p:ext uri="{BB962C8B-B14F-4D97-AF65-F5344CB8AC3E}">
-        <p14:creationId xmlns:p14="http://schemas.microsoft.com/office/powerpoint/2010/main" val="575732802"/>
+        <p14:creationId xmlns:p14="http://schemas.microsoft.com/office/powerpoint/2010/main" val="609851695"/>
       </p:ext>
     </p:extLst>
   </p:cSld>
@@ -1169,7 +1170,92 @@
             <a:fld id="{82AABF77-E2E4-44CA-BA5C-65E132CF08D8}" type="slidenum">
               <a:rPr lang="en-US" smtClean="0"/>
               <a:pPr/>
-              <a:t>9</a:t>
+              <a:t>10</a:t>
+            </a:fld>
+            <a:endParaRPr lang="en-US" dirty="0"/>
+          </a:p>
+        </p:txBody>
+      </p:sp>
+    </p:spTree>
+    <p:extLst>
+      <p:ext uri="{BB962C8B-B14F-4D97-AF65-F5344CB8AC3E}">
+        <p14:creationId xmlns:p14="http://schemas.microsoft.com/office/powerpoint/2010/main" val="575732802"/>
+      </p:ext>
+    </p:extLst>
+  </p:cSld>
+  <p:clrMapOvr>
+    <a:masterClrMapping/>
+  </p:clrMapOvr>
+</p:notes>
+</file>
+
+<file path=ppt/notesSlides/notesSlide9.xml><?xml version="1.0" encoding="utf-8"?>
+<p:notes xmlns:a="http://schemas.openxmlformats.org/drawingml/2006/main" xmlns:r="http://schemas.openxmlformats.org/officeDocument/2006/relationships" xmlns:p="http://schemas.openxmlformats.org/presentationml/2006/main">
+  <p:cSld>
+    <p:spTree>
+      <p:nvGrpSpPr>
+        <p:cNvPr id="1" name=""/>
+        <p:cNvGrpSpPr/>
+        <p:nvPr/>
+      </p:nvGrpSpPr>
+      <p:grpSpPr>
+        <a:xfrm>
+          <a:off x="0" y="0"/>
+          <a:ext cx="0" cy="0"/>
+          <a:chOff x="0" y="0"/>
+          <a:chExt cx="0" cy="0"/>
+        </a:xfrm>
+      </p:grpSpPr>
+      <p:sp>
+        <p:nvSpPr>
+          <p:cNvPr id="2" name="Slide Image Placeholder 1"/>
+          <p:cNvSpPr>
+            <a:spLocks noGrp="1" noRot="1" noChangeAspect="1"/>
+          </p:cNvSpPr>
+          <p:nvPr>
+            <p:ph type="sldImg"/>
+          </p:nvPr>
+        </p:nvSpPr>
+        <p:spPr/>
+      </p:sp>
+      <p:sp>
+        <p:nvSpPr>
+          <p:cNvPr id="3" name="Notes Placeholder 2"/>
+          <p:cNvSpPr>
+            <a:spLocks noGrp="1"/>
+          </p:cNvSpPr>
+          <p:nvPr>
+            <p:ph type="body" idx="1"/>
+          </p:nvPr>
+        </p:nvSpPr>
+        <p:spPr/>
+        <p:txBody>
+          <a:bodyPr/>
+          <a:lstStyle/>
+          <a:p>
+            <a:endParaRPr lang="en-US"/>
+          </a:p>
+        </p:txBody>
+      </p:sp>
+      <p:sp>
+        <p:nvSpPr>
+          <p:cNvPr id="4" name="Slide Number Placeholder 3"/>
+          <p:cNvSpPr>
+            <a:spLocks noGrp="1"/>
+          </p:cNvSpPr>
+          <p:nvPr>
+            <p:ph type="sldNum" sz="quarter" idx="10"/>
+          </p:nvPr>
+        </p:nvSpPr>
+        <p:spPr/>
+        <p:txBody>
+          <a:bodyPr/>
+          <a:lstStyle/>
+          <a:p>
+            <a:fld id="{82AABF77-E2E4-44CA-BA5C-65E132CF08D8}" type="slidenum">
+              <a:rPr lang="en-US" smtClean="0"/>
+              <a:pPr/>
+              <a:t>11</a:t>
             </a:fld>
             <a:endParaRPr lang="en-US" dirty="0"/>
           </a:p>
@@ -20216,6 +20302,77 @@
           </a:effectLst>
         </p:spPr>
       </p:pic>
+      <p:sp>
+        <p:nvSpPr>
+          <p:cNvPr id="2" name="Rectangle 1"/>
+          <p:cNvSpPr/>
+          <p:nvPr/>
+        </p:nvSpPr>
+        <p:spPr>
+          <a:xfrm>
+            <a:off x="5178244" y="1593939"/>
+            <a:ext cx="5948167" cy="923330"/>
+          </a:xfrm>
+          <a:prstGeom prst="rect">
+            <a:avLst/>
+          </a:prstGeom>
+          <a:noFill/>
+        </p:spPr>
+        <p:txBody>
+          <a:bodyPr wrap="none" lIns="91440" tIns="45720" rIns="91440" bIns="45720">
+            <a:spAutoFit/>
+          </a:bodyPr>
+          <a:lstStyle/>
+          <a:p>
+            <a:pPr algn="ctr"/>
+            <a:r>
+              <a:rPr lang="en-US" sz="5400" b="1" cap="none" spc="50" dirty="0" smtClean="0">
+                <a:ln w="0"/>
+                <a:solidFill>
+                  <a:srgbClr val="FFFF00"/>
+                </a:solidFill>
+                <a:effectLst>
+                  <a:innerShdw blurRad="63500" dist="50800" dir="13500000">
+                    <a:srgbClr val="000000">
+                      <a:alpha val="50000"/>
+                    </a:srgbClr>
+                  </a:innerShdw>
+                </a:effectLst>
+              </a:rPr>
+              <a:t>#</a:t>
+            </a:r>
+            <a:r>
+              <a:rPr lang="en-US" sz="5400" b="1" cap="none" spc="50" dirty="0" err="1" smtClean="0">
+                <a:ln w="0"/>
+                <a:solidFill>
+                  <a:srgbClr val="FFFF00"/>
+                </a:solidFill>
+                <a:effectLst>
+                  <a:innerShdw blurRad="63500" dist="50800" dir="13500000">
+                    <a:srgbClr val="000000">
+                      <a:alpha val="50000"/>
+                    </a:srgbClr>
+                  </a:innerShdw>
+                </a:effectLst>
+              </a:rPr>
+              <a:t>DENVERWebCamp</a:t>
+            </a:r>
+            <a:endParaRPr lang="en-US" sz="5400" b="1" cap="none" spc="50" dirty="0">
+              <a:ln w="0"/>
+              <a:solidFill>
+                <a:srgbClr val="FFFF00"/>
+              </a:solidFill>
+              <a:effectLst>
+                <a:innerShdw blurRad="63500" dist="50800" dir="13500000">
+                  <a:srgbClr val="000000">
+                    <a:alpha val="50000"/>
+                  </a:srgbClr>
+                </a:innerShdw>
+              </a:effectLst>
+            </a:endParaRPr>
+          </a:p>
+        </p:txBody>
+      </p:sp>
     </p:spTree>
     <p:extLst>
       <p:ext uri="{BB962C8B-B14F-4D97-AF65-F5344CB8AC3E}">
@@ -20287,6 +20444,128 @@
                       </p:childTnLst>
                     </p:cTn>
                   </p:par>
+                  <p:par>
+                    <p:cTn id="8" fill="hold">
+                      <p:stCondLst>
+                        <p:cond delay="indefinite"/>
+                      </p:stCondLst>
+                      <p:childTnLst>
+                        <p:par>
+                          <p:cTn id="9" fill="hold">
+                            <p:stCondLst>
+                              <p:cond delay="0"/>
+                            </p:stCondLst>
+                            <p:childTnLst>
+                              <p:par>
+                                <p:cTn id="10" presetID="31" presetClass="entr" presetSubtype="0" fill="hold" grpId="0" nodeType="clickEffect">
+                                  <p:stCondLst>
+                                    <p:cond delay="0"/>
+                                  </p:stCondLst>
+                                  <p:childTnLst>
+                                    <p:set>
+                                      <p:cBhvr>
+                                        <p:cTn id="11" dur="1" fill="hold">
+                                          <p:stCondLst>
+                                            <p:cond delay="0"/>
+                                          </p:stCondLst>
+                                        </p:cTn>
+                                        <p:tgtEl>
+                                          <p:spTgt spid="2"/>
+                                        </p:tgtEl>
+                                        <p:attrNameLst>
+                                          <p:attrName>style.visibility</p:attrName>
+                                        </p:attrNameLst>
+                                      </p:cBhvr>
+                                      <p:to>
+                                        <p:strVal val="visible"/>
+                                      </p:to>
+                                    </p:set>
+                                    <p:anim calcmode="lin" valueType="num">
+                                      <p:cBhvr>
+                                        <p:cTn id="12" dur="1000" fill="hold"/>
+                                        <p:tgtEl>
+                                          <p:spTgt spid="2"/>
+                                        </p:tgtEl>
+                                        <p:attrNameLst>
+                                          <p:attrName>ppt_w</p:attrName>
+                                        </p:attrNameLst>
+                                      </p:cBhvr>
+                                      <p:tavLst>
+                                        <p:tav tm="0">
+                                          <p:val>
+                                            <p:fltVal val="0"/>
+                                          </p:val>
+                                        </p:tav>
+                                        <p:tav tm="100000">
+                                          <p:val>
+                                            <p:strVal val="#ppt_w"/>
+                                          </p:val>
+                                        </p:tav>
+                                      </p:tavLst>
+                                    </p:anim>
+                                    <p:anim calcmode="lin" valueType="num">
+                                      <p:cBhvr>
+                                        <p:cTn id="13" dur="1000" fill="hold"/>
+                                        <p:tgtEl>
+                                          <p:spTgt spid="2"/>
+                                        </p:tgtEl>
+                                        <p:attrNameLst>
+                                          <p:attrName>ppt_h</p:attrName>
+                                        </p:attrNameLst>
+                                      </p:cBhvr>
+                                      <p:tavLst>
+                                        <p:tav tm="0">
+                                          <p:val>
+                                            <p:fltVal val="0"/>
+                                          </p:val>
+                                        </p:tav>
+                                        <p:tav tm="100000">
+                                          <p:val>
+                                            <p:strVal val="#ppt_h"/>
+                                          </p:val>
+                                        </p:tav>
+                                      </p:tavLst>
+                                    </p:anim>
+                                    <p:anim calcmode="lin" valueType="num">
+                                      <p:cBhvr>
+                                        <p:cTn id="14" dur="1000" fill="hold"/>
+                                        <p:tgtEl>
+                                          <p:spTgt spid="2"/>
+                                        </p:tgtEl>
+                                        <p:attrNameLst>
+                                          <p:attrName>style.rotation</p:attrName>
+                                        </p:attrNameLst>
+                                      </p:cBhvr>
+                                      <p:tavLst>
+                                        <p:tav tm="0">
+                                          <p:val>
+                                            <p:fltVal val="90"/>
+                                          </p:val>
+                                        </p:tav>
+                                        <p:tav tm="100000">
+                                          <p:val>
+                                            <p:fltVal val="0"/>
+                                          </p:val>
+                                        </p:tav>
+                                      </p:tavLst>
+                                    </p:anim>
+                                    <p:animEffect transition="in" filter="fade">
+                                      <p:cBhvr>
+                                        <p:cTn id="15" dur="1000"/>
+                                        <p:tgtEl>
+                                          <p:spTgt spid="2"/>
+                                        </p:tgtEl>
+                                      </p:cBhvr>
+                                    </p:animEffect>
+                                  </p:childTnLst>
+                                </p:cTn>
+                              </p:par>
+                            </p:childTnLst>
+                          </p:cTn>
+                        </p:par>
+                      </p:childTnLst>
+                    </p:cTn>
+                  </p:par>
                 </p:childTnLst>
               </p:cTn>
               <p:prevCondLst>
@@ -20308,11 +20587,1215 @@
         </p:cTn>
       </p:par>
     </p:tnLst>
+    <p:bldLst>
+      <p:bldP spid="2" grpId="0"/>
+    </p:bldLst>
   </p:timing>
 </p:sld>
 </file>
 
 <file path=ppt/slides/slide10.xml><?xml version="1.0" encoding="utf-8"?>
+<p:sld xmlns:a="http://schemas.openxmlformats.org/drawingml/2006/main" xmlns:r="http://schemas.openxmlformats.org/officeDocument/2006/relationships" xmlns:p="http://schemas.openxmlformats.org/presentationml/2006/main">
+  <p:cSld>
+    <p:spTree>
+      <p:nvGrpSpPr>
+        <p:cNvPr id="1" name=""/>
+        <p:cNvGrpSpPr/>
+        <p:nvPr/>
+      </p:nvGrpSpPr>
+      <p:grpSpPr>
+        <a:xfrm>
+          <a:off x="0" y="0"/>
+          <a:ext cx="0" cy="0"/>
+          <a:chOff x="0" y="0"/>
+          <a:chExt cx="0" cy="0"/>
+        </a:xfrm>
+      </p:grpSpPr>
+      <p:sp>
+        <p:nvSpPr>
+          <p:cNvPr id="7" name="Title 6"/>
+          <p:cNvSpPr>
+            <a:spLocks noGrp="1"/>
+          </p:cNvSpPr>
+          <p:nvPr>
+            <p:ph type="title"/>
+          </p:nvPr>
+        </p:nvSpPr>
+        <p:spPr>
+          <a:xfrm>
+            <a:off x="520701" y="228600"/>
+            <a:ext cx="11149013" cy="553998"/>
+          </a:xfrm>
+        </p:spPr>
+        <p:txBody>
+          <a:bodyPr>
+            <a:normAutofit fontScale="90000"/>
+          </a:bodyPr>
+          <a:lstStyle/>
+          <a:p>
+            <a:r>
+              <a:rPr lang="en-US" sz="4000" dirty="0"/>
+              <a:t>Deploying ASP.NET Apps to the Cloud</a:t>
+            </a:r>
+          </a:p>
+        </p:txBody>
+      </p:sp>
+      <p:sp>
+        <p:nvSpPr>
+          <p:cNvPr id="5" name="Text Placeholder 4"/>
+          <p:cNvSpPr>
+            <a:spLocks noGrp="1"/>
+          </p:cNvSpPr>
+          <p:nvPr>
+            <p:ph type="body" sz="quarter" idx="10"/>
+          </p:nvPr>
+        </p:nvSpPr>
+        <p:spPr>
+          <a:xfrm>
+            <a:off x="520701" y="1820579"/>
+            <a:ext cx="5404810" cy="2554545"/>
+          </a:xfrm>
+        </p:spPr>
+        <p:txBody>
+          <a:bodyPr>
+            <a:normAutofit/>
+          </a:bodyPr>
+          <a:lstStyle/>
+          <a:p>
+            <a:pPr>
+              <a:spcBef>
+                <a:spcPts val="1200"/>
+              </a:spcBef>
+              <a:spcAft>
+                <a:spcPts val="0"/>
+              </a:spcAft>
+            </a:pPr>
+            <a:r>
+              <a:rPr lang="en-US" sz="2800" dirty="0" smtClean="0">
+                <a:solidFill>
+                  <a:schemeClr val="bg1"/>
+                </a:solidFill>
+              </a:rPr>
+              <a:t>Microsoft </a:t>
+            </a:r>
+            <a:r>
+              <a:rPr lang="en-US" sz="2800" dirty="0">
+                <a:solidFill>
+                  <a:schemeClr val="bg1"/>
+                </a:solidFill>
+              </a:rPr>
+              <a:t>Azure Web Sites (10 free!)</a:t>
+            </a:r>
+          </a:p>
+          <a:p>
+            <a:pPr>
+              <a:spcBef>
+                <a:spcPts val="1200"/>
+              </a:spcBef>
+              <a:spcAft>
+                <a:spcPts val="0"/>
+              </a:spcAft>
+            </a:pPr>
+            <a:r>
+              <a:rPr lang="en-US" sz="2800" dirty="0">
+                <a:solidFill>
+                  <a:schemeClr val="bg1"/>
+                </a:solidFill>
+              </a:rPr>
+              <a:t>Fast site creation and deployment</a:t>
+            </a:r>
+          </a:p>
+          <a:p>
+            <a:pPr>
+              <a:spcBef>
+                <a:spcPts val="1200"/>
+              </a:spcBef>
+              <a:spcAft>
+                <a:spcPts val="0"/>
+              </a:spcAft>
+            </a:pPr>
+            <a:r>
+              <a:rPr lang="en-US" sz="2800" dirty="0">
+                <a:solidFill>
+                  <a:schemeClr val="bg1"/>
+                </a:solidFill>
+              </a:rPr>
+              <a:t>Nothing new to learn</a:t>
+            </a:r>
+          </a:p>
+          <a:p>
+            <a:pPr>
+              <a:spcBef>
+                <a:spcPts val="1200"/>
+              </a:spcBef>
+              <a:spcAft>
+                <a:spcPts val="0"/>
+              </a:spcAft>
+            </a:pPr>
+            <a:r>
+              <a:rPr lang="en-US" sz="2800" dirty="0">
+                <a:solidFill>
+                  <a:schemeClr val="bg1"/>
+                </a:solidFill>
+              </a:rPr>
+              <a:t>Easy to </a:t>
+            </a:r>
+            <a:r>
+              <a:rPr lang="en-US" sz="2800" dirty="0" smtClean="0">
+                <a:solidFill>
+                  <a:schemeClr val="bg1"/>
+                </a:solidFill>
+              </a:rPr>
+              <a:t>scale</a:t>
+            </a:r>
+            <a:endParaRPr lang="en-US" sz="2800" dirty="0">
+              <a:solidFill>
+                <a:schemeClr val="bg1"/>
+              </a:solidFill>
+            </a:endParaRPr>
+          </a:p>
+        </p:txBody>
+      </p:sp>
+      <p:pic>
+        <p:nvPicPr>
+          <p:cNvPr id="3" name="Picture 2"/>
+          <p:cNvPicPr>
+            <a:picLocks noChangeAspect="1"/>
+          </p:cNvPicPr>
+          <p:nvPr/>
+        </p:nvPicPr>
+        <p:blipFill>
+          <a:blip r:embed="rId3" cstate="print">
+            <a:extLst>
+              <a:ext uri="{28A0092B-C50C-407E-A947-70E740481C1C}">
+                <a14:useLocalDpi xmlns:a14="http://schemas.microsoft.com/office/drawing/2010/main" val="0"/>
+              </a:ext>
+            </a:extLst>
+          </a:blip>
+          <a:stretch>
+            <a:fillRect/>
+          </a:stretch>
+        </p:blipFill>
+        <p:spPr>
+          <a:xfrm>
+            <a:off x="4459316" y="101600"/>
+            <a:ext cx="10598728" cy="6858000"/>
+          </a:xfrm>
+          <a:prstGeom prst="rect">
+            <a:avLst/>
+          </a:prstGeom>
+        </p:spPr>
+      </p:pic>
+    </p:spTree>
+    <p:extLst>
+      <p:ext uri="{BB962C8B-B14F-4D97-AF65-F5344CB8AC3E}">
+        <p14:creationId xmlns:p14="http://schemas.microsoft.com/office/powerpoint/2010/main" val="1579616061"/>
+      </p:ext>
+    </p:extLst>
+  </p:cSld>
+  <p:clrMapOvr>
+    <a:masterClrMapping/>
+  </p:clrMapOvr>
+  <mc:AlternateContent xmlns:mc="http://schemas.openxmlformats.org/markup-compatibility/2006" xmlns:p14="http://schemas.microsoft.com/office/powerpoint/2010/main">
+    <mc:Choice Requires="p14">
+      <p:transition spd="med" p14:dur="700">
+        <p:fade/>
+      </p:transition>
+    </mc:Choice>
+    <mc:Fallback xmlns="">
+      <p:transition spd="med">
+        <p:fade/>
+      </p:transition>
+    </mc:Fallback>
+  </mc:AlternateContent>
+  <p:timing>
+    <p:tnLst>
+      <p:par>
+        <p:cTn id="1" dur="indefinite" restart="never" nodeType="tmRoot">
+          <p:childTnLst>
+            <p:seq concurrent="1" nextAc="seek">
+              <p:cTn id="2" dur="indefinite" nodeType="mainSeq">
+                <p:childTnLst>
+                  <p:par>
+                    <p:cTn id="3" fill="hold">
+                      <p:stCondLst>
+                        <p:cond delay="indefinite"/>
+                        <p:cond evt="onBegin" delay="0">
+                          <p:tn val="2"/>
+                        </p:cond>
+                      </p:stCondLst>
+                      <p:childTnLst>
+                        <p:par>
+                          <p:cTn id="4" fill="hold">
+                            <p:stCondLst>
+                              <p:cond delay="0"/>
+                            </p:stCondLst>
+                            <p:childTnLst>
+                              <p:par>
+                                <p:cTn id="5" presetID="2" presetClass="entr" presetSubtype="2" decel="100000" fill="hold" grpId="0" nodeType="withEffect">
+                                  <p:stCondLst>
+                                    <p:cond delay="0"/>
+                                  </p:stCondLst>
+                                  <p:childTnLst>
+                                    <p:set>
+                                      <p:cBhvr>
+                                        <p:cTn id="6" dur="1" fill="hold">
+                                          <p:stCondLst>
+                                            <p:cond delay="0"/>
+                                          </p:stCondLst>
+                                        </p:cTn>
+                                        <p:tgtEl>
+                                          <p:spTgt spid="5">
+                                            <p:txEl>
+                                              <p:pRg st="0" end="0"/>
+                                            </p:txEl>
+                                          </p:spTgt>
+                                        </p:tgtEl>
+                                        <p:attrNameLst>
+                                          <p:attrName>style.visibility</p:attrName>
+                                        </p:attrNameLst>
+                                      </p:cBhvr>
+                                      <p:to>
+                                        <p:strVal val="visible"/>
+                                      </p:to>
+                                    </p:set>
+                                    <p:anim calcmode="lin" valueType="num">
+                                      <p:cBhvr additive="base">
+                                        <p:cTn id="7" dur="500" fill="hold"/>
+                                        <p:tgtEl>
+                                          <p:spTgt spid="5">
+                                            <p:txEl>
+                                              <p:pRg st="0" end="0"/>
+                                            </p:txEl>
+                                          </p:spTgt>
+                                        </p:tgtEl>
+                                        <p:attrNameLst>
+                                          <p:attrName>ppt_x</p:attrName>
+                                        </p:attrNameLst>
+                                      </p:cBhvr>
+                                      <p:tavLst>
+                                        <p:tav tm="0">
+                                          <p:val>
+                                            <p:strVal val="1+#ppt_w/2"/>
+                                          </p:val>
+                                        </p:tav>
+                                        <p:tav tm="100000">
+                                          <p:val>
+                                            <p:strVal val="#ppt_x"/>
+                                          </p:val>
+                                        </p:tav>
+                                      </p:tavLst>
+                                    </p:anim>
+                                    <p:anim calcmode="lin" valueType="num">
+                                      <p:cBhvr additive="base">
+                                        <p:cTn id="8" dur="500" fill="hold"/>
+                                        <p:tgtEl>
+                                          <p:spTgt spid="5">
+                                            <p:txEl>
+                                              <p:pRg st="0" end="0"/>
+                                            </p:txEl>
+                                          </p:spTgt>
+                                        </p:tgtEl>
+                                        <p:attrNameLst>
+                                          <p:attrName>ppt_y</p:attrName>
+                                        </p:attrNameLst>
+                                      </p:cBhvr>
+                                      <p:tavLst>
+                                        <p:tav tm="0">
+                                          <p:val>
+                                            <p:strVal val="#ppt_y"/>
+                                          </p:val>
+                                        </p:tav>
+                                        <p:tav tm="100000">
+                                          <p:val>
+                                            <p:strVal val="#ppt_y"/>
+                                          </p:val>
+                                        </p:tav>
+                                      </p:tavLst>
+                                    </p:anim>
+                                  </p:childTnLst>
+                                </p:cTn>
+                              </p:par>
+                              <p:par>
+                                <p:cTn id="9" presetID="2" presetClass="entr" presetSubtype="2" decel="100000" fill="hold" grpId="0" nodeType="withEffect">
+                                  <p:stCondLst>
+                                    <p:cond delay="0"/>
+                                  </p:stCondLst>
+                                  <p:childTnLst>
+                                    <p:set>
+                                      <p:cBhvr>
+                                        <p:cTn id="10" dur="1" fill="hold">
+                                          <p:stCondLst>
+                                            <p:cond delay="0"/>
+                                          </p:stCondLst>
+                                        </p:cTn>
+                                        <p:tgtEl>
+                                          <p:spTgt spid="5">
+                                            <p:txEl>
+                                              <p:pRg st="1" end="1"/>
+                                            </p:txEl>
+                                          </p:spTgt>
+                                        </p:tgtEl>
+                                        <p:attrNameLst>
+                                          <p:attrName>style.visibility</p:attrName>
+                                        </p:attrNameLst>
+                                      </p:cBhvr>
+                                      <p:to>
+                                        <p:strVal val="visible"/>
+                                      </p:to>
+                                    </p:set>
+                                    <p:anim calcmode="lin" valueType="num">
+                                      <p:cBhvr additive="base">
+                                        <p:cTn id="11" dur="500" fill="hold"/>
+                                        <p:tgtEl>
+                                          <p:spTgt spid="5">
+                                            <p:txEl>
+                                              <p:pRg st="1" end="1"/>
+                                            </p:txEl>
+                                          </p:spTgt>
+                                        </p:tgtEl>
+                                        <p:attrNameLst>
+                                          <p:attrName>ppt_x</p:attrName>
+                                        </p:attrNameLst>
+                                      </p:cBhvr>
+                                      <p:tavLst>
+                                        <p:tav tm="0">
+                                          <p:val>
+                                            <p:strVal val="1+#ppt_w/2"/>
+                                          </p:val>
+                                        </p:tav>
+                                        <p:tav tm="100000">
+                                          <p:val>
+                                            <p:strVal val="#ppt_x"/>
+                                          </p:val>
+                                        </p:tav>
+                                      </p:tavLst>
+                                    </p:anim>
+                                    <p:anim calcmode="lin" valueType="num">
+                                      <p:cBhvr additive="base">
+                                        <p:cTn id="12" dur="500" fill="hold"/>
+                                        <p:tgtEl>
+                                          <p:spTgt spid="5">
+                                            <p:txEl>
+                                              <p:pRg st="1" end="1"/>
+                                            </p:txEl>
+                                          </p:spTgt>
+                                        </p:tgtEl>
+                                        <p:attrNameLst>
+                                          <p:attrName>ppt_y</p:attrName>
+                                        </p:attrNameLst>
+                                      </p:cBhvr>
+                                      <p:tavLst>
+                                        <p:tav tm="0">
+                                          <p:val>
+                                            <p:strVal val="#ppt_y"/>
+                                          </p:val>
+                                        </p:tav>
+                                        <p:tav tm="100000">
+                                          <p:val>
+                                            <p:strVal val="#ppt_y"/>
+                                          </p:val>
+                                        </p:tav>
+                                      </p:tavLst>
+                                    </p:anim>
+                                  </p:childTnLst>
+                                </p:cTn>
+                              </p:par>
+                              <p:par>
+                                <p:cTn id="13" presetID="2" presetClass="entr" presetSubtype="2" decel="100000" fill="hold" grpId="0" nodeType="withEffect">
+                                  <p:stCondLst>
+                                    <p:cond delay="0"/>
+                                  </p:stCondLst>
+                                  <p:childTnLst>
+                                    <p:set>
+                                      <p:cBhvr>
+                                        <p:cTn id="14" dur="1" fill="hold">
+                                          <p:stCondLst>
+                                            <p:cond delay="0"/>
+                                          </p:stCondLst>
+                                        </p:cTn>
+                                        <p:tgtEl>
+                                          <p:spTgt spid="5">
+                                            <p:txEl>
+                                              <p:pRg st="2" end="2"/>
+                                            </p:txEl>
+                                          </p:spTgt>
+                                        </p:tgtEl>
+                                        <p:attrNameLst>
+                                          <p:attrName>style.visibility</p:attrName>
+                                        </p:attrNameLst>
+                                      </p:cBhvr>
+                                      <p:to>
+                                        <p:strVal val="visible"/>
+                                      </p:to>
+                                    </p:set>
+                                    <p:anim calcmode="lin" valueType="num">
+                                      <p:cBhvr additive="base">
+                                        <p:cTn id="15" dur="500" fill="hold"/>
+                                        <p:tgtEl>
+                                          <p:spTgt spid="5">
+                                            <p:txEl>
+                                              <p:pRg st="2" end="2"/>
+                                            </p:txEl>
+                                          </p:spTgt>
+                                        </p:tgtEl>
+                                        <p:attrNameLst>
+                                          <p:attrName>ppt_x</p:attrName>
+                                        </p:attrNameLst>
+                                      </p:cBhvr>
+                                      <p:tavLst>
+                                        <p:tav tm="0">
+                                          <p:val>
+                                            <p:strVal val="1+#ppt_w/2"/>
+                                          </p:val>
+                                        </p:tav>
+                                        <p:tav tm="100000">
+                                          <p:val>
+                                            <p:strVal val="#ppt_x"/>
+                                          </p:val>
+                                        </p:tav>
+                                      </p:tavLst>
+                                    </p:anim>
+                                    <p:anim calcmode="lin" valueType="num">
+                                      <p:cBhvr additive="base">
+                                        <p:cTn id="16" dur="500" fill="hold"/>
+                                        <p:tgtEl>
+                                          <p:spTgt spid="5">
+                                            <p:txEl>
+                                              <p:pRg st="2" end="2"/>
+                                            </p:txEl>
+                                          </p:spTgt>
+                                        </p:tgtEl>
+                                        <p:attrNameLst>
+                                          <p:attrName>ppt_y</p:attrName>
+                                        </p:attrNameLst>
+                                      </p:cBhvr>
+                                      <p:tavLst>
+                                        <p:tav tm="0">
+                                          <p:val>
+                                            <p:strVal val="#ppt_y"/>
+                                          </p:val>
+                                        </p:tav>
+                                        <p:tav tm="100000">
+                                          <p:val>
+                                            <p:strVal val="#ppt_y"/>
+                                          </p:val>
+                                        </p:tav>
+                                      </p:tavLst>
+                                    </p:anim>
+                                  </p:childTnLst>
+                                </p:cTn>
+                              </p:par>
+                              <p:par>
+                                <p:cTn id="17" presetID="2" presetClass="entr" presetSubtype="2" decel="100000" fill="hold" grpId="0" nodeType="withEffect">
+                                  <p:stCondLst>
+                                    <p:cond delay="0"/>
+                                  </p:stCondLst>
+                                  <p:childTnLst>
+                                    <p:set>
+                                      <p:cBhvr>
+                                        <p:cTn id="18" dur="1" fill="hold">
+                                          <p:stCondLst>
+                                            <p:cond delay="0"/>
+                                          </p:stCondLst>
+                                        </p:cTn>
+                                        <p:tgtEl>
+                                          <p:spTgt spid="5">
+                                            <p:txEl>
+                                              <p:pRg st="3" end="3"/>
+                                            </p:txEl>
+                                          </p:spTgt>
+                                        </p:tgtEl>
+                                        <p:attrNameLst>
+                                          <p:attrName>style.visibility</p:attrName>
+                                        </p:attrNameLst>
+                                      </p:cBhvr>
+                                      <p:to>
+                                        <p:strVal val="visible"/>
+                                      </p:to>
+                                    </p:set>
+                                    <p:anim calcmode="lin" valueType="num">
+                                      <p:cBhvr additive="base">
+                                        <p:cTn id="19" dur="500" fill="hold"/>
+                                        <p:tgtEl>
+                                          <p:spTgt spid="5">
+                                            <p:txEl>
+                                              <p:pRg st="3" end="3"/>
+                                            </p:txEl>
+                                          </p:spTgt>
+                                        </p:tgtEl>
+                                        <p:attrNameLst>
+                                          <p:attrName>ppt_x</p:attrName>
+                                        </p:attrNameLst>
+                                      </p:cBhvr>
+                                      <p:tavLst>
+                                        <p:tav tm="0">
+                                          <p:val>
+                                            <p:strVal val="1+#ppt_w/2"/>
+                                          </p:val>
+                                        </p:tav>
+                                        <p:tav tm="100000">
+                                          <p:val>
+                                            <p:strVal val="#ppt_x"/>
+                                          </p:val>
+                                        </p:tav>
+                                      </p:tavLst>
+                                    </p:anim>
+                                    <p:anim calcmode="lin" valueType="num">
+                                      <p:cBhvr additive="base">
+                                        <p:cTn id="20" dur="500" fill="hold"/>
+                                        <p:tgtEl>
+                                          <p:spTgt spid="5">
+                                            <p:txEl>
+                                              <p:pRg st="3" end="3"/>
+                                            </p:txEl>
+                                          </p:spTgt>
+                                        </p:tgtEl>
+                                        <p:attrNameLst>
+                                          <p:attrName>ppt_y</p:attrName>
+                                        </p:attrNameLst>
+                                      </p:cBhvr>
+                                      <p:tavLst>
+                                        <p:tav tm="0">
+                                          <p:val>
+                                            <p:strVal val="#ppt_y"/>
+                                          </p:val>
+                                        </p:tav>
+                                        <p:tav tm="100000">
+                                          <p:val>
+                                            <p:strVal val="#ppt_y"/>
+                                          </p:val>
+                                        </p:tav>
+                                      </p:tavLst>
+                                    </p:anim>
+                                  </p:childTnLst>
+                                </p:cTn>
+                              </p:par>
+                              <p:par>
+                                <p:cTn id="21" presetID="2" presetClass="entr" presetSubtype="2" fill="hold" nodeType="withEffect">
+                                  <p:stCondLst>
+                                    <p:cond delay="0"/>
+                                  </p:stCondLst>
+                                  <p:childTnLst>
+                                    <p:set>
+                                      <p:cBhvr>
+                                        <p:cTn id="22" dur="1" fill="hold">
+                                          <p:stCondLst>
+                                            <p:cond delay="0"/>
+                                          </p:stCondLst>
+                                        </p:cTn>
+                                        <p:tgtEl>
+                                          <p:spTgt spid="3"/>
+                                        </p:tgtEl>
+                                        <p:attrNameLst>
+                                          <p:attrName>style.visibility</p:attrName>
+                                        </p:attrNameLst>
+                                      </p:cBhvr>
+                                      <p:to>
+                                        <p:strVal val="visible"/>
+                                      </p:to>
+                                    </p:set>
+                                    <p:anim calcmode="lin" valueType="num">
+                                      <p:cBhvr additive="base">
+                                        <p:cTn id="23" dur="500" fill="hold"/>
+                                        <p:tgtEl>
+                                          <p:spTgt spid="3"/>
+                                        </p:tgtEl>
+                                        <p:attrNameLst>
+                                          <p:attrName>ppt_x</p:attrName>
+                                        </p:attrNameLst>
+                                      </p:cBhvr>
+                                      <p:tavLst>
+                                        <p:tav tm="0">
+                                          <p:val>
+                                            <p:strVal val="1+#ppt_w/2"/>
+                                          </p:val>
+                                        </p:tav>
+                                        <p:tav tm="100000">
+                                          <p:val>
+                                            <p:strVal val="#ppt_x"/>
+                                          </p:val>
+                                        </p:tav>
+                                      </p:tavLst>
+                                    </p:anim>
+                                    <p:anim calcmode="lin" valueType="num">
+                                      <p:cBhvr additive="base">
+                                        <p:cTn id="24" dur="500" fill="hold"/>
+                                        <p:tgtEl>
+                                          <p:spTgt spid="3"/>
+                                        </p:tgtEl>
+                                        <p:attrNameLst>
+                                          <p:attrName>ppt_y</p:attrName>
+                                        </p:attrNameLst>
+                                      </p:cBhvr>
+                                      <p:tavLst>
+                                        <p:tav tm="0">
+                                          <p:val>
+                                            <p:strVal val="#ppt_y"/>
+                                          </p:val>
+                                        </p:tav>
+                                        <p:tav tm="100000">
+                                          <p:val>
+                                            <p:strVal val="#ppt_y"/>
+                                          </p:val>
+                                        </p:tav>
+                                      </p:tavLst>
+                                    </p:anim>
+                                  </p:childTnLst>
+                                </p:cTn>
+                              </p:par>
+                            </p:childTnLst>
+                          </p:cTn>
+                        </p:par>
+                      </p:childTnLst>
+                    </p:cTn>
+                  </p:par>
+                </p:childTnLst>
+              </p:cTn>
+              <p:prevCondLst>
+                <p:cond evt="onPrev" delay="0">
+                  <p:tgtEl>
+                    <p:sldTgt/>
+                  </p:tgtEl>
+                </p:cond>
+              </p:prevCondLst>
+              <p:nextCondLst>
+                <p:cond evt="onNext" delay="0">
+                  <p:tgtEl>
+                    <p:sldTgt/>
+                  </p:tgtEl>
+                </p:cond>
+              </p:nextCondLst>
+            </p:seq>
+          </p:childTnLst>
+        </p:cTn>
+      </p:par>
+    </p:tnLst>
+    <p:bldLst>
+      <p:bldP spid="5" grpId="0" build="p"/>
+    </p:bldLst>
+  </p:timing>
+</p:sld>
+</file>
+
+<file path=ppt/slides/slide11.xml><?xml version="1.0" encoding="utf-8"?>
+<p:sld xmlns:a="http://schemas.openxmlformats.org/drawingml/2006/main" xmlns:r="http://schemas.openxmlformats.org/officeDocument/2006/relationships" xmlns:p="http://schemas.openxmlformats.org/presentationml/2006/main" show="0">
+  <p:cSld>
+    <p:spTree>
+      <p:nvGrpSpPr>
+        <p:cNvPr id="1" name=""/>
+        <p:cNvGrpSpPr/>
+        <p:nvPr/>
+      </p:nvGrpSpPr>
+      <p:grpSpPr>
+        <a:xfrm>
+          <a:off x="0" y="0"/>
+          <a:ext cx="0" cy="0"/>
+          <a:chOff x="0" y="0"/>
+          <a:chExt cx="0" cy="0"/>
+        </a:xfrm>
+      </p:grpSpPr>
+      <p:sp>
+        <p:nvSpPr>
+          <p:cNvPr id="5" name="Title 4"/>
+          <p:cNvSpPr>
+            <a:spLocks noGrp="1"/>
+          </p:cNvSpPr>
+          <p:nvPr>
+            <p:ph type="title"/>
+          </p:nvPr>
+        </p:nvSpPr>
+        <p:spPr/>
+        <p:txBody>
+          <a:bodyPr>
+            <a:normAutofit fontScale="90000"/>
+          </a:bodyPr>
+          <a:lstStyle/>
+          <a:p>
+            <a:r>
+              <a:rPr lang="en-US" smtClean="0"/>
+              <a:t>Resources</a:t>
+            </a:r>
+            <a:endParaRPr lang="en-US" dirty="0"/>
+          </a:p>
+        </p:txBody>
+      </p:sp>
+      <p:sp>
+        <p:nvSpPr>
+          <p:cNvPr id="3" name="Text Placeholder 2"/>
+          <p:cNvSpPr>
+            <a:spLocks noGrp="1"/>
+          </p:cNvSpPr>
+          <p:nvPr>
+            <p:ph type="body" sz="quarter" idx="10"/>
+            <p:custDataLst>
+              <p:tags r:id="rId1"/>
+            </p:custDataLst>
+          </p:nvPr>
+        </p:nvSpPr>
+        <p:spPr>
+          <a:xfrm>
+            <a:off x="520701" y="1447800"/>
+            <a:ext cx="11149013" cy="4038029"/>
+          </a:xfrm>
+        </p:spPr>
+        <p:txBody>
+          <a:bodyPr>
+            <a:normAutofit fontScale="92500" lnSpcReduction="10000"/>
+          </a:bodyPr>
+          <a:lstStyle/>
+          <a:p>
+            <a:pPr>
+              <a:spcAft>
+                <a:spcPts val="1200"/>
+              </a:spcAft>
+            </a:pPr>
+            <a:r>
+              <a:rPr lang="en-US" sz="4400" dirty="0">
+                <a:ln w="3175">
+                  <a:noFill/>
+                </a:ln>
+                <a:solidFill>
+                  <a:schemeClr val="bg1"/>
+                </a:solidFill>
+                <a:cs typeface="Arial" charset="0"/>
+              </a:rPr>
+              <a:t>Feedback and questions </a:t>
+            </a:r>
+            <a:r>
+              <a:rPr lang="en-US" sz="4400" dirty="0" smtClean="0">
+                <a:ln w="3175">
+                  <a:noFill/>
+                </a:ln>
+                <a:solidFill>
+                  <a:schemeClr val="bg1"/>
+                </a:solidFill>
+                <a:cs typeface="Arial" charset="0"/>
+              </a:rPr>
+              <a:t/>
+            </a:r>
+            <a:br>
+              <a:rPr lang="en-US" sz="4400" dirty="0" smtClean="0">
+                <a:ln w="3175">
+                  <a:noFill/>
+                </a:ln>
+                <a:solidFill>
+                  <a:schemeClr val="bg1"/>
+                </a:solidFill>
+                <a:cs typeface="Arial" charset="0"/>
+              </a:rPr>
+            </a:br>
+            <a:r>
+              <a:rPr lang="en-US" dirty="0" smtClean="0">
+                <a:solidFill>
+                  <a:schemeClr val="bg1"/>
+                </a:solidFill>
+              </a:rPr>
+              <a:t/>
+            </a:r>
+            <a:br>
+              <a:rPr lang="en-US" dirty="0" smtClean="0">
+                <a:solidFill>
+                  <a:schemeClr val="bg1"/>
+                </a:solidFill>
+              </a:rPr>
+            </a:br>
+            <a:r>
+              <a:rPr lang="en-US" sz="3200" dirty="0">
+                <a:solidFill>
+                  <a:schemeClr val="bg1"/>
+                </a:solidFill>
+                <a:latin typeface="+mn-lt"/>
+              </a:rPr>
+              <a:t>http://asp.net</a:t>
+            </a:r>
+          </a:p>
+          <a:p>
+            <a:pPr>
+              <a:spcAft>
+                <a:spcPts val="1200"/>
+              </a:spcAft>
+            </a:pPr>
+            <a:r>
+              <a:rPr lang="en-US" sz="3200" dirty="0">
+                <a:solidFill>
+                  <a:schemeClr val="bg1"/>
+                </a:solidFill>
+                <a:latin typeface="+mn-lt"/>
+              </a:rPr>
+              <a:t>http://asp.net/vnext</a:t>
+            </a:r>
+          </a:p>
+          <a:p>
+            <a:pPr>
+              <a:spcAft>
+                <a:spcPts val="1200"/>
+              </a:spcAft>
+            </a:pPr>
+            <a:r>
+              <a:rPr lang="en-US" sz="3200" b="1">
+                <a:solidFill>
+                  <a:schemeClr val="bg1"/>
+                </a:solidFill>
+              </a:rPr>
+              <a:t>http</a:t>
+            </a:r>
+            <a:r>
+              <a:rPr lang="en-US" sz="3200" b="1" smtClean="0">
+                <a:solidFill>
+                  <a:schemeClr val="bg1"/>
+                </a:solidFill>
+              </a:rPr>
+              <a:t>://azure.microsoft.com</a:t>
+            </a:r>
+            <a:endParaRPr lang="en-US" sz="3200" b="1" dirty="0" smtClean="0">
+              <a:solidFill>
+                <a:schemeClr val="bg1"/>
+              </a:solidFill>
+              <a:latin typeface="+mn-lt"/>
+            </a:endParaRPr>
+          </a:p>
+          <a:p>
+            <a:pPr>
+              <a:spcAft>
+                <a:spcPts val="1200"/>
+              </a:spcAft>
+            </a:pPr>
+            <a:r>
+              <a:rPr lang="en-US" sz="3200" dirty="0" smtClean="0">
+                <a:solidFill>
+                  <a:schemeClr val="bg1"/>
+                </a:solidFill>
+                <a:latin typeface="+mn-lt"/>
+              </a:rPr>
+              <a:t>http</a:t>
+            </a:r>
+            <a:r>
+              <a:rPr lang="en-US" sz="3200" dirty="0">
+                <a:solidFill>
+                  <a:schemeClr val="bg1"/>
+                </a:solidFill>
+                <a:latin typeface="+mn-lt"/>
+              </a:rPr>
+              <a:t>://www.devcamps.ms/web </a:t>
+            </a:r>
+          </a:p>
+          <a:p>
+            <a:pPr>
+              <a:spcAft>
+                <a:spcPts val="1200"/>
+              </a:spcAft>
+            </a:pPr>
+            <a:r>
+              <a:rPr lang="en-US" sz="3200" dirty="0" smtClean="0">
+                <a:solidFill>
+                  <a:schemeClr val="bg1"/>
+                </a:solidFill>
+                <a:latin typeface="+mn-lt"/>
+              </a:rPr>
+              <a:t>http</a:t>
+            </a:r>
+            <a:r>
+              <a:rPr lang="en-US" sz="3200" dirty="0">
+                <a:solidFill>
+                  <a:schemeClr val="bg1"/>
+                </a:solidFill>
+                <a:latin typeface="+mn-lt"/>
+              </a:rPr>
+              <a:t>://aka.ms/webcamps-training-kit </a:t>
+            </a:r>
+          </a:p>
+          <a:p>
+            <a:pPr>
+              <a:spcAft>
+                <a:spcPts val="1200"/>
+              </a:spcAft>
+            </a:pPr>
+            <a:r>
+              <a:rPr lang="en-US" sz="3200" dirty="0">
+                <a:solidFill>
+                  <a:schemeClr val="bg1"/>
+                </a:solidFill>
+                <a:latin typeface="+mn-lt"/>
+              </a:rPr>
+              <a:t>http://aka.ms/webcamps-azure </a:t>
+            </a:r>
+            <a:r>
+              <a:rPr lang="en-US" sz="3200" dirty="0">
+                <a:solidFill>
+                  <a:schemeClr val="bg1"/>
+                </a:solidFill>
+              </a:rPr>
+              <a:t>(free trial)</a:t>
+            </a:r>
+            <a:endParaRPr lang="en-US" sz="3200" dirty="0">
+              <a:solidFill>
+                <a:schemeClr val="bg1"/>
+              </a:solidFill>
+              <a:latin typeface="+mn-lt"/>
+            </a:endParaRPr>
+          </a:p>
+        </p:txBody>
+      </p:sp>
+      <p:sp>
+        <p:nvSpPr>
+          <p:cNvPr id="8" name="Freeform 58"/>
+          <p:cNvSpPr>
+            <a:spLocks noEditPoints="1"/>
+          </p:cNvSpPr>
+          <p:nvPr/>
+        </p:nvSpPr>
+        <p:spPr bwMode="black">
+          <a:xfrm>
+            <a:off x="7197998" y="1141413"/>
+            <a:ext cx="3689695" cy="3954680"/>
+          </a:xfrm>
+          <a:custGeom>
+            <a:avLst/>
+            <a:gdLst>
+              <a:gd name="T0" fmla="*/ 181 w 182"/>
+              <a:gd name="T1" fmla="*/ 65 h 195"/>
+              <a:gd name="T2" fmla="*/ 88 w 182"/>
+              <a:gd name="T3" fmla="*/ 0 h 195"/>
+              <a:gd name="T4" fmla="*/ 88 w 182"/>
+              <a:gd name="T5" fmla="*/ 40 h 195"/>
+              <a:gd name="T6" fmla="*/ 1 w 182"/>
+              <a:gd name="T7" fmla="*/ 40 h 195"/>
+              <a:gd name="T8" fmla="*/ 1 w 182"/>
+              <a:gd name="T9" fmla="*/ 89 h 195"/>
+              <a:gd name="T10" fmla="*/ 57 w 182"/>
+              <a:gd name="T11" fmla="*/ 89 h 195"/>
+              <a:gd name="T12" fmla="*/ 88 w 182"/>
+              <a:gd name="T13" fmla="*/ 68 h 195"/>
+              <a:gd name="T14" fmla="*/ 88 w 182"/>
+              <a:gd name="T15" fmla="*/ 130 h 195"/>
+              <a:gd name="T16" fmla="*/ 181 w 182"/>
+              <a:gd name="T17" fmla="*/ 65 h 195"/>
+              <a:gd name="T18" fmla="*/ 19 w 182"/>
+              <a:gd name="T19" fmla="*/ 127 h 195"/>
+              <a:gd name="T20" fmla="*/ 88 w 182"/>
+              <a:gd name="T21" fmla="*/ 172 h 195"/>
+              <a:gd name="T22" fmla="*/ 88 w 182"/>
+              <a:gd name="T23" fmla="*/ 142 h 195"/>
+              <a:gd name="T24" fmla="*/ 178 w 182"/>
+              <a:gd name="T25" fmla="*/ 142 h 195"/>
+              <a:gd name="T26" fmla="*/ 178 w 182"/>
+              <a:gd name="T27" fmla="*/ 153 h 195"/>
+              <a:gd name="T28" fmla="*/ 100 w 182"/>
+              <a:gd name="T29" fmla="*/ 153 h 195"/>
+              <a:gd name="T30" fmla="*/ 100 w 182"/>
+              <a:gd name="T31" fmla="*/ 195 h 195"/>
+              <a:gd name="T32" fmla="*/ 0 w 182"/>
+              <a:gd name="T33" fmla="*/ 127 h 195"/>
+              <a:gd name="T34" fmla="*/ 19 w 182"/>
+              <a:gd name="T35" fmla="*/ 127 h 195"/>
+            </a:gdLst>
+            <a:ahLst/>
+            <a:cxnLst>
+              <a:cxn ang="0">
+                <a:pos x="T0" y="T1"/>
+              </a:cxn>
+              <a:cxn ang="0">
+                <a:pos x="T2" y="T3"/>
+              </a:cxn>
+              <a:cxn ang="0">
+                <a:pos x="T4" y="T5"/>
+              </a:cxn>
+              <a:cxn ang="0">
+                <a:pos x="T6" y="T7"/>
+              </a:cxn>
+              <a:cxn ang="0">
+                <a:pos x="T8" y="T9"/>
+              </a:cxn>
+              <a:cxn ang="0">
+                <a:pos x="T10" y="T11"/>
+              </a:cxn>
+              <a:cxn ang="0">
+                <a:pos x="T12" y="T13"/>
+              </a:cxn>
+              <a:cxn ang="0">
+                <a:pos x="T14" y="T15"/>
+              </a:cxn>
+              <a:cxn ang="0">
+                <a:pos x="T16" y="T17"/>
+              </a:cxn>
+              <a:cxn ang="0">
+                <a:pos x="T18" y="T19"/>
+              </a:cxn>
+              <a:cxn ang="0">
+                <a:pos x="T20" y="T21"/>
+              </a:cxn>
+              <a:cxn ang="0">
+                <a:pos x="T22" y="T23"/>
+              </a:cxn>
+              <a:cxn ang="0">
+                <a:pos x="T24" y="T25"/>
+              </a:cxn>
+              <a:cxn ang="0">
+                <a:pos x="T26" y="T27"/>
+              </a:cxn>
+              <a:cxn ang="0">
+                <a:pos x="T28" y="T29"/>
+              </a:cxn>
+              <a:cxn ang="0">
+                <a:pos x="T30" y="T31"/>
+              </a:cxn>
+              <a:cxn ang="0">
+                <a:pos x="T32" y="T33"/>
+              </a:cxn>
+              <a:cxn ang="0">
+                <a:pos x="T34" y="T35"/>
+              </a:cxn>
+            </a:cxnLst>
+            <a:rect l="0" t="0" r="r" b="b"/>
+            <a:pathLst>
+              <a:path w="182" h="195">
+                <a:moveTo>
+                  <a:pt x="181" y="65"/>
+                </a:moveTo>
+                <a:cubicBezTo>
+                  <a:pt x="88" y="0"/>
+                  <a:pt x="88" y="0"/>
+                  <a:pt x="88" y="0"/>
+                </a:cubicBezTo>
+                <a:cubicBezTo>
+                  <a:pt x="88" y="40"/>
+                  <a:pt x="88" y="40"/>
+                  <a:pt x="88" y="40"/>
+                </a:cubicBezTo>
+                <a:cubicBezTo>
+                  <a:pt x="1" y="40"/>
+                  <a:pt x="1" y="40"/>
+                  <a:pt x="1" y="40"/>
+                </a:cubicBezTo>
+                <a:cubicBezTo>
+                  <a:pt x="1" y="89"/>
+                  <a:pt x="1" y="89"/>
+                  <a:pt x="1" y="89"/>
+                </a:cubicBezTo>
+                <a:cubicBezTo>
+                  <a:pt x="57" y="89"/>
+                  <a:pt x="57" y="89"/>
+                  <a:pt x="57" y="89"/>
+                </a:cubicBezTo>
+                <a:cubicBezTo>
+                  <a:pt x="88" y="68"/>
+                  <a:pt x="88" y="68"/>
+                  <a:pt x="88" y="68"/>
+                </a:cubicBezTo>
+                <a:cubicBezTo>
+                  <a:pt x="88" y="130"/>
+                  <a:pt x="88" y="130"/>
+                  <a:pt x="88" y="130"/>
+                </a:cubicBezTo>
+                <a:cubicBezTo>
+                  <a:pt x="181" y="65"/>
+                  <a:pt x="181" y="65"/>
+                  <a:pt x="181" y="65"/>
+                </a:cubicBezTo>
+                <a:close/>
+                <a:moveTo>
+                  <a:pt x="19" y="127"/>
+                </a:moveTo>
+                <a:cubicBezTo>
+                  <a:pt x="88" y="172"/>
+                  <a:pt x="88" y="172"/>
+                  <a:pt x="88" y="172"/>
+                </a:cubicBezTo>
+                <a:cubicBezTo>
+                  <a:pt x="88" y="142"/>
+                  <a:pt x="88" y="142"/>
+                  <a:pt x="88" y="142"/>
+                </a:cubicBezTo>
+                <a:cubicBezTo>
+                  <a:pt x="178" y="142"/>
+                  <a:pt x="178" y="142"/>
+                  <a:pt x="178" y="142"/>
+                </a:cubicBezTo>
+                <a:cubicBezTo>
+                  <a:pt x="182" y="142"/>
+                  <a:pt x="182" y="153"/>
+                  <a:pt x="178" y="153"/>
+                </a:cubicBezTo>
+                <a:cubicBezTo>
+                  <a:pt x="100" y="153"/>
+                  <a:pt x="100" y="153"/>
+                  <a:pt x="100" y="153"/>
+                </a:cubicBezTo>
+                <a:cubicBezTo>
+                  <a:pt x="100" y="195"/>
+                  <a:pt x="100" y="195"/>
+                  <a:pt x="100" y="195"/>
+                </a:cubicBezTo>
+                <a:cubicBezTo>
+                  <a:pt x="0" y="127"/>
+                  <a:pt x="0" y="127"/>
+                  <a:pt x="0" y="127"/>
+                </a:cubicBezTo>
+                <a:cubicBezTo>
+                  <a:pt x="19" y="127"/>
+                  <a:pt x="19" y="127"/>
+                  <a:pt x="19" y="127"/>
+                </a:cubicBezTo>
+                <a:close/>
+              </a:path>
+            </a:pathLst>
+          </a:custGeom>
+          <a:solidFill>
+            <a:schemeClr val="tx1">
+              <a:lumMod val="10000"/>
+              <a:lumOff val="90000"/>
+            </a:schemeClr>
+          </a:solidFill>
+          <a:ln>
+            <a:noFill/>
+          </a:ln>
+        </p:spPr>
+        <p:txBody>
+          <a:bodyPr vert="horz" wrap="square" lIns="82305" tIns="41153" rIns="82305" bIns="41153" numCol="1" anchor="t" anchorCtr="0" compatLnSpc="1">
+            <a:prstTxWarp prst="textNoShape">
+              <a:avLst/>
+            </a:prstTxWarp>
+          </a:bodyPr>
+          <a:lstStyle/>
+          <a:p>
+            <a:endParaRPr lang="en-US" sz="1600"/>
+          </a:p>
+        </p:txBody>
+      </p:sp>
+    </p:spTree>
+    <p:extLst>
+      <p:ext uri="{BB962C8B-B14F-4D97-AF65-F5344CB8AC3E}">
+        <p14:creationId xmlns:p14="http://schemas.microsoft.com/office/powerpoint/2010/main" val="1360405671"/>
+      </p:ext>
+    </p:extLst>
+  </p:cSld>
+  <p:clrMapOvr>
+    <a:masterClrMapping/>
+  </p:clrMapOvr>
+  <mc:AlternateContent xmlns:mc="http://schemas.openxmlformats.org/markup-compatibility/2006">
+    <mc:Choice xmlns:p14="http://schemas.microsoft.com/office/powerpoint/2010/main" Requires="p14">
+      <p:transition spd="med" p14:dur="700">
+        <p:fade/>
+      </p:transition>
+    </mc:Choice>
+    <mc:Fallback>
+      <p:transition spd="med">
+        <p:fade/>
+      </p:transition>
+    </mc:Fallback>
+  </mc:AlternateContent>
+  <p:timing>
+    <p:tnLst>
+      <p:par>
+        <p:cTn id="1" dur="indefinite" restart="never" nodeType="tmRoot"/>
+      </p:par>
+    </p:tnLst>
+  </p:timing>
+</p:sld>
+</file>
+
+<file path=ppt/slides/slide12.xml><?xml version="1.0" encoding="utf-8"?>
 <p:sld xmlns:a="http://schemas.openxmlformats.org/drawingml/2006/main" xmlns:r="http://schemas.openxmlformats.org/officeDocument/2006/relationships" xmlns:p="http://schemas.openxmlformats.org/presentationml/2006/main">
   <p:cSld>
     <p:bg>
@@ -20372,6 +21855,689 @@
 </file>
 
 <file path=ppt/slides/slide2.xml><?xml version="1.0" encoding="utf-8"?>
+<p:sld xmlns:a="http://schemas.openxmlformats.org/drawingml/2006/main" xmlns:r="http://schemas.openxmlformats.org/officeDocument/2006/relationships" xmlns:p="http://schemas.openxmlformats.org/presentationml/2006/main">
+  <p:cSld>
+    <p:bg>
+      <p:bgPr>
+        <a:solidFill>
+          <a:schemeClr val="bg1"/>
+        </a:solidFill>
+        <a:effectLst/>
+      </p:bgPr>
+    </p:bg>
+    <p:spTree>
+      <p:nvGrpSpPr>
+        <p:cNvPr id="1" name=""/>
+        <p:cNvGrpSpPr/>
+        <p:nvPr/>
+      </p:nvGrpSpPr>
+      <p:grpSpPr>
+        <a:xfrm>
+          <a:off x="0" y="0"/>
+          <a:ext cx="0" cy="0"/>
+          <a:chOff x="0" y="0"/>
+          <a:chExt cx="0" cy="0"/>
+        </a:xfrm>
+      </p:grpSpPr>
+      <p:pic>
+        <p:nvPicPr>
+          <p:cNvPr id="6" name="Picture 5"/>
+          <p:cNvPicPr>
+            <a:picLocks noChangeAspect="1"/>
+          </p:cNvPicPr>
+          <p:nvPr/>
+        </p:nvPicPr>
+        <p:blipFill>
+          <a:blip r:embed="rId3" cstate="print">
+            <a:extLst>
+              <a:ext uri="{28A0092B-C50C-407E-A947-70E740481C1C}">
+                <a14:useLocalDpi xmlns:a14="http://schemas.microsoft.com/office/drawing/2010/main" val="0"/>
+              </a:ext>
+            </a:extLst>
+          </a:blip>
+          <a:stretch>
+            <a:fillRect/>
+          </a:stretch>
+        </p:blipFill>
+        <p:spPr>
+          <a:xfrm>
+            <a:off x="2723103" y="559314"/>
+            <a:ext cx="6893170" cy="6298687"/>
+          </a:xfrm>
+          <a:prstGeom prst="rect">
+            <a:avLst/>
+          </a:prstGeom>
+        </p:spPr>
+      </p:pic>
+      <p:sp>
+        <p:nvSpPr>
+          <p:cNvPr id="7" name="TextBox 6"/>
+          <p:cNvSpPr txBox="1"/>
+          <p:nvPr/>
+        </p:nvSpPr>
+        <p:spPr>
+          <a:xfrm>
+            <a:off x="777240" y="1074420"/>
+            <a:ext cx="2041713" cy="646331"/>
+          </a:xfrm>
+          <a:prstGeom prst="rect">
+            <a:avLst/>
+          </a:prstGeom>
+          <a:noFill/>
+        </p:spPr>
+        <p:txBody>
+          <a:bodyPr wrap="none" rtlCol="0">
+            <a:spAutoFit/>
+          </a:bodyPr>
+          <a:lstStyle/>
+          <a:p>
+            <a:r>
+              <a:rPr lang="en-US" b="1" dirty="0" smtClean="0">
+                <a:solidFill>
+                  <a:schemeClr val="tx2"/>
+                </a:solidFill>
+              </a:rPr>
+              <a:t>Web developer,</a:t>
+            </a:r>
+            <a:br>
+              <a:rPr lang="en-US" b="1" dirty="0" smtClean="0">
+                <a:solidFill>
+                  <a:schemeClr val="tx2"/>
+                </a:solidFill>
+              </a:rPr>
+            </a:br>
+            <a:r>
+              <a:rPr lang="en-US" b="1" dirty="0" smtClean="0">
+                <a:solidFill>
+                  <a:schemeClr val="tx2"/>
+                </a:solidFill>
+              </a:rPr>
+              <a:t>new to Microsoft</a:t>
+            </a:r>
+            <a:endParaRPr lang="en-US" b="1" dirty="0">
+              <a:solidFill>
+                <a:schemeClr val="tx2"/>
+              </a:solidFill>
+            </a:endParaRPr>
+          </a:p>
+        </p:txBody>
+      </p:sp>
+      <p:sp>
+        <p:nvSpPr>
+          <p:cNvPr id="8" name="TextBox 7"/>
+          <p:cNvSpPr txBox="1"/>
+          <p:nvPr/>
+        </p:nvSpPr>
+        <p:spPr>
+          <a:xfrm>
+            <a:off x="9616273" y="1074419"/>
+            <a:ext cx="2424253" cy="646331"/>
+          </a:xfrm>
+          <a:prstGeom prst="rect">
+            <a:avLst/>
+          </a:prstGeom>
+          <a:noFill/>
+        </p:spPr>
+        <p:txBody>
+          <a:bodyPr wrap="none" rtlCol="0">
+            <a:spAutoFit/>
+          </a:bodyPr>
+          <a:lstStyle/>
+          <a:p>
+            <a:r>
+              <a:rPr lang="en-US" b="1" dirty="0" smtClean="0">
+                <a:solidFill>
+                  <a:schemeClr val="tx2"/>
+                </a:solidFill>
+              </a:rPr>
+              <a:t>Microsoft developer,</a:t>
+            </a:r>
+          </a:p>
+          <a:p>
+            <a:r>
+              <a:rPr lang="en-US" b="1" dirty="0" smtClean="0">
+                <a:solidFill>
+                  <a:schemeClr val="tx2"/>
+                </a:solidFill>
+              </a:rPr>
+              <a:t>new to web</a:t>
+            </a:r>
+            <a:endParaRPr lang="en-US" b="1" dirty="0">
+              <a:solidFill>
+                <a:schemeClr val="tx2"/>
+              </a:solidFill>
+            </a:endParaRPr>
+          </a:p>
+        </p:txBody>
+      </p:sp>
+      <p:sp>
+        <p:nvSpPr>
+          <p:cNvPr id="9" name="TextBox 8"/>
+          <p:cNvSpPr txBox="1"/>
+          <p:nvPr/>
+        </p:nvSpPr>
+        <p:spPr>
+          <a:xfrm>
+            <a:off x="777798" y="3966210"/>
+            <a:ext cx="2277803" cy="646331"/>
+          </a:xfrm>
+          <a:prstGeom prst="rect">
+            <a:avLst/>
+          </a:prstGeom>
+          <a:noFill/>
+        </p:spPr>
+        <p:txBody>
+          <a:bodyPr wrap="none" rtlCol="0">
+            <a:spAutoFit/>
+          </a:bodyPr>
+          <a:lstStyle/>
+          <a:p>
+            <a:r>
+              <a:rPr lang="en-US" b="1" dirty="0" smtClean="0">
+                <a:solidFill>
+                  <a:schemeClr val="tx2"/>
+                </a:solidFill>
+              </a:rPr>
+              <a:t>ASP.NET developer,</a:t>
+            </a:r>
+            <a:br>
+              <a:rPr lang="en-US" b="1" dirty="0" smtClean="0">
+                <a:solidFill>
+                  <a:schemeClr val="tx2"/>
+                </a:solidFill>
+              </a:rPr>
+            </a:br>
+            <a:r>
+              <a:rPr lang="en-US" b="1" dirty="0" smtClean="0">
+                <a:solidFill>
+                  <a:schemeClr val="tx2"/>
+                </a:solidFill>
+              </a:rPr>
+              <a:t>new to MVC</a:t>
+            </a:r>
+            <a:endParaRPr lang="en-US" b="1" dirty="0">
+              <a:solidFill>
+                <a:schemeClr val="tx2"/>
+              </a:solidFill>
+            </a:endParaRPr>
+          </a:p>
+        </p:txBody>
+      </p:sp>
+      <p:sp>
+        <p:nvSpPr>
+          <p:cNvPr id="10" name="TextBox 9"/>
+          <p:cNvSpPr txBox="1"/>
+          <p:nvPr/>
+        </p:nvSpPr>
+        <p:spPr>
+          <a:xfrm>
+            <a:off x="9616273" y="3966210"/>
+            <a:ext cx="1974323" cy="646331"/>
+          </a:xfrm>
+          <a:prstGeom prst="rect">
+            <a:avLst/>
+          </a:prstGeom>
+          <a:noFill/>
+        </p:spPr>
+        <p:txBody>
+          <a:bodyPr wrap="none" rtlCol="0">
+            <a:spAutoFit/>
+          </a:bodyPr>
+          <a:lstStyle/>
+          <a:p>
+            <a:r>
+              <a:rPr lang="en-US" b="1" dirty="0">
+                <a:solidFill>
+                  <a:schemeClr val="tx2"/>
+                </a:solidFill>
+              </a:rPr>
+              <a:t>A</a:t>
+            </a:r>
+            <a:r>
+              <a:rPr lang="en-US" b="1" dirty="0" smtClean="0">
+                <a:solidFill>
+                  <a:schemeClr val="tx2"/>
+                </a:solidFill>
+              </a:rPr>
+              <a:t> developer,</a:t>
+            </a:r>
+            <a:br>
+              <a:rPr lang="en-US" b="1" dirty="0" smtClean="0">
+                <a:solidFill>
+                  <a:schemeClr val="tx2"/>
+                </a:solidFill>
+              </a:rPr>
+            </a:br>
+            <a:r>
+              <a:rPr lang="en-US" b="1" dirty="0" smtClean="0">
+                <a:solidFill>
+                  <a:schemeClr val="tx2"/>
+                </a:solidFill>
+              </a:rPr>
+              <a:t>wants free lunch</a:t>
+            </a:r>
+            <a:endParaRPr lang="en-US" b="1" dirty="0">
+              <a:solidFill>
+                <a:schemeClr val="tx2"/>
+              </a:solidFill>
+            </a:endParaRPr>
+          </a:p>
+        </p:txBody>
+      </p:sp>
+    </p:spTree>
+    <p:extLst>
+      <p:ext uri="{BB962C8B-B14F-4D97-AF65-F5344CB8AC3E}">
+        <p14:creationId xmlns:p14="http://schemas.microsoft.com/office/powerpoint/2010/main" val="765308583"/>
+      </p:ext>
+    </p:extLst>
+  </p:cSld>
+  <p:clrMapOvr>
+    <a:masterClrMapping/>
+  </p:clrMapOvr>
+  <p:timing>
+    <p:tnLst>
+      <p:par>
+        <p:cTn id="1" dur="indefinite" restart="never" nodeType="tmRoot">
+          <p:childTnLst>
+            <p:seq concurrent="1" nextAc="seek">
+              <p:cTn id="2" dur="indefinite" nodeType="mainSeq">
+                <p:childTnLst>
+                  <p:par>
+                    <p:cTn id="3" fill="hold">
+                      <p:stCondLst>
+                        <p:cond delay="indefinite"/>
+                      </p:stCondLst>
+                      <p:childTnLst>
+                        <p:par>
+                          <p:cTn id="4" fill="hold">
+                            <p:stCondLst>
+                              <p:cond delay="0"/>
+                            </p:stCondLst>
+                            <p:childTnLst>
+                              <p:par>
+                                <p:cTn id="5" presetID="2" presetClass="entr" presetSubtype="4" fill="hold" grpId="0" nodeType="clickEffect">
+                                  <p:stCondLst>
+                                    <p:cond delay="0"/>
+                                  </p:stCondLst>
+                                  <p:childTnLst>
+                                    <p:set>
+                                      <p:cBhvr>
+                                        <p:cTn id="6" dur="1" fill="hold">
+                                          <p:stCondLst>
+                                            <p:cond delay="0"/>
+                                          </p:stCondLst>
+                                        </p:cTn>
+                                        <p:tgtEl>
+                                          <p:spTgt spid="7"/>
+                                        </p:tgtEl>
+                                        <p:attrNameLst>
+                                          <p:attrName>style.visibility</p:attrName>
+                                        </p:attrNameLst>
+                                      </p:cBhvr>
+                                      <p:to>
+                                        <p:strVal val="visible"/>
+                                      </p:to>
+                                    </p:set>
+                                    <p:anim calcmode="lin" valueType="num">
+                                      <p:cBhvr additive="base">
+                                        <p:cTn id="7" dur="500" fill="hold"/>
+                                        <p:tgtEl>
+                                          <p:spTgt spid="7"/>
+                                        </p:tgtEl>
+                                        <p:attrNameLst>
+                                          <p:attrName>ppt_x</p:attrName>
+                                        </p:attrNameLst>
+                                      </p:cBhvr>
+                                      <p:tavLst>
+                                        <p:tav tm="0">
+                                          <p:val>
+                                            <p:strVal val="#ppt_x"/>
+                                          </p:val>
+                                        </p:tav>
+                                        <p:tav tm="100000">
+                                          <p:val>
+                                            <p:strVal val="#ppt_x"/>
+                                          </p:val>
+                                        </p:tav>
+                                      </p:tavLst>
+                                    </p:anim>
+                                    <p:anim calcmode="lin" valueType="num">
+                                      <p:cBhvr additive="base">
+                                        <p:cTn id="8" dur="500" fill="hold"/>
+                                        <p:tgtEl>
+                                          <p:spTgt spid="7"/>
+                                        </p:tgtEl>
+                                        <p:attrNameLst>
+                                          <p:attrName>ppt_y</p:attrName>
+                                        </p:attrNameLst>
+                                      </p:cBhvr>
+                                      <p:tavLst>
+                                        <p:tav tm="0">
+                                          <p:val>
+                                            <p:strVal val="1+#ppt_h/2"/>
+                                          </p:val>
+                                        </p:tav>
+                                        <p:tav tm="100000">
+                                          <p:val>
+                                            <p:strVal val="#ppt_y"/>
+                                          </p:val>
+                                        </p:tav>
+                                      </p:tavLst>
+                                    </p:anim>
+                                  </p:childTnLst>
+                                </p:cTn>
+                              </p:par>
+                            </p:childTnLst>
+                          </p:cTn>
+                        </p:par>
+                      </p:childTnLst>
+                    </p:cTn>
+                  </p:par>
+                  <p:par>
+                    <p:cTn id="9" fill="hold">
+                      <p:stCondLst>
+                        <p:cond delay="indefinite"/>
+                      </p:stCondLst>
+                      <p:childTnLst>
+                        <p:par>
+                          <p:cTn id="10" fill="hold">
+                            <p:stCondLst>
+                              <p:cond delay="0"/>
+                            </p:stCondLst>
+                            <p:childTnLst>
+                              <p:par>
+                                <p:cTn id="11" presetID="2" presetClass="entr" presetSubtype="4" fill="hold" grpId="0" nodeType="clickEffect">
+                                  <p:stCondLst>
+                                    <p:cond delay="0"/>
+                                  </p:stCondLst>
+                                  <p:childTnLst>
+                                    <p:set>
+                                      <p:cBhvr>
+                                        <p:cTn id="12" dur="1" fill="hold">
+                                          <p:stCondLst>
+                                            <p:cond delay="0"/>
+                                          </p:stCondLst>
+                                        </p:cTn>
+                                        <p:tgtEl>
+                                          <p:spTgt spid="8"/>
+                                        </p:tgtEl>
+                                        <p:attrNameLst>
+                                          <p:attrName>style.visibility</p:attrName>
+                                        </p:attrNameLst>
+                                      </p:cBhvr>
+                                      <p:to>
+                                        <p:strVal val="visible"/>
+                                      </p:to>
+                                    </p:set>
+                                    <p:anim calcmode="lin" valueType="num">
+                                      <p:cBhvr additive="base">
+                                        <p:cTn id="13" dur="500" fill="hold"/>
+                                        <p:tgtEl>
+                                          <p:spTgt spid="8"/>
+                                        </p:tgtEl>
+                                        <p:attrNameLst>
+                                          <p:attrName>ppt_x</p:attrName>
+                                        </p:attrNameLst>
+                                      </p:cBhvr>
+                                      <p:tavLst>
+                                        <p:tav tm="0">
+                                          <p:val>
+                                            <p:strVal val="#ppt_x"/>
+                                          </p:val>
+                                        </p:tav>
+                                        <p:tav tm="100000">
+                                          <p:val>
+                                            <p:strVal val="#ppt_x"/>
+                                          </p:val>
+                                        </p:tav>
+                                      </p:tavLst>
+                                    </p:anim>
+                                    <p:anim calcmode="lin" valueType="num">
+                                      <p:cBhvr additive="base">
+                                        <p:cTn id="14" dur="500" fill="hold"/>
+                                        <p:tgtEl>
+                                          <p:spTgt spid="8"/>
+                                        </p:tgtEl>
+                                        <p:attrNameLst>
+                                          <p:attrName>ppt_y</p:attrName>
+                                        </p:attrNameLst>
+                                      </p:cBhvr>
+                                      <p:tavLst>
+                                        <p:tav tm="0">
+                                          <p:val>
+                                            <p:strVal val="1+#ppt_h/2"/>
+                                          </p:val>
+                                        </p:tav>
+                                        <p:tav tm="100000">
+                                          <p:val>
+                                            <p:strVal val="#ppt_y"/>
+                                          </p:val>
+                                        </p:tav>
+                                      </p:tavLst>
+                                    </p:anim>
+                                  </p:childTnLst>
+                                </p:cTn>
+                              </p:par>
+                            </p:childTnLst>
+                          </p:cTn>
+                        </p:par>
+                      </p:childTnLst>
+                    </p:cTn>
+                  </p:par>
+                  <p:par>
+                    <p:cTn id="15" fill="hold">
+                      <p:stCondLst>
+                        <p:cond delay="indefinite"/>
+                      </p:stCondLst>
+                      <p:childTnLst>
+                        <p:par>
+                          <p:cTn id="16" fill="hold">
+                            <p:stCondLst>
+                              <p:cond delay="0"/>
+                            </p:stCondLst>
+                            <p:childTnLst>
+                              <p:par>
+                                <p:cTn id="17" presetID="2" presetClass="entr" presetSubtype="4" fill="hold" grpId="0" nodeType="clickEffect">
+                                  <p:stCondLst>
+                                    <p:cond delay="0"/>
+                                  </p:stCondLst>
+                                  <p:childTnLst>
+                                    <p:set>
+                                      <p:cBhvr>
+                                        <p:cTn id="18" dur="1" fill="hold">
+                                          <p:stCondLst>
+                                            <p:cond delay="0"/>
+                                          </p:stCondLst>
+                                        </p:cTn>
+                                        <p:tgtEl>
+                                          <p:spTgt spid="9"/>
+                                        </p:tgtEl>
+                                        <p:attrNameLst>
+                                          <p:attrName>style.visibility</p:attrName>
+                                        </p:attrNameLst>
+                                      </p:cBhvr>
+                                      <p:to>
+                                        <p:strVal val="visible"/>
+                                      </p:to>
+                                    </p:set>
+                                    <p:anim calcmode="lin" valueType="num">
+                                      <p:cBhvr additive="base">
+                                        <p:cTn id="19" dur="500" fill="hold"/>
+                                        <p:tgtEl>
+                                          <p:spTgt spid="9"/>
+                                        </p:tgtEl>
+                                        <p:attrNameLst>
+                                          <p:attrName>ppt_x</p:attrName>
+                                        </p:attrNameLst>
+                                      </p:cBhvr>
+                                      <p:tavLst>
+                                        <p:tav tm="0">
+                                          <p:val>
+                                            <p:strVal val="#ppt_x"/>
+                                          </p:val>
+                                        </p:tav>
+                                        <p:tav tm="100000">
+                                          <p:val>
+                                            <p:strVal val="#ppt_x"/>
+                                          </p:val>
+                                        </p:tav>
+                                      </p:tavLst>
+                                    </p:anim>
+                                    <p:anim calcmode="lin" valueType="num">
+                                      <p:cBhvr additive="base">
+                                        <p:cTn id="20" dur="500" fill="hold"/>
+                                        <p:tgtEl>
+                                          <p:spTgt spid="9"/>
+                                        </p:tgtEl>
+                                        <p:attrNameLst>
+                                          <p:attrName>ppt_y</p:attrName>
+                                        </p:attrNameLst>
+                                      </p:cBhvr>
+                                      <p:tavLst>
+                                        <p:tav tm="0">
+                                          <p:val>
+                                            <p:strVal val="1+#ppt_h/2"/>
+                                          </p:val>
+                                        </p:tav>
+                                        <p:tav tm="100000">
+                                          <p:val>
+                                            <p:strVal val="#ppt_y"/>
+                                          </p:val>
+                                        </p:tav>
+                                      </p:tavLst>
+                                    </p:anim>
+                                  </p:childTnLst>
+                                </p:cTn>
+                              </p:par>
+                            </p:childTnLst>
+                          </p:cTn>
+                        </p:par>
+                      </p:childTnLst>
+                    </p:cTn>
+                  </p:par>
+                  <p:par>
+                    <p:cTn id="21" fill="hold">
+                      <p:stCondLst>
+                        <p:cond delay="indefinite"/>
+                      </p:stCondLst>
+                      <p:childTnLst>
+                        <p:par>
+                          <p:cTn id="22" fill="hold">
+                            <p:stCondLst>
+                              <p:cond delay="0"/>
+                            </p:stCondLst>
+                            <p:childTnLst>
+                              <p:par>
+                                <p:cTn id="23" presetID="2" presetClass="entr" presetSubtype="4" fill="hold" grpId="0" nodeType="clickEffect">
+                                  <p:stCondLst>
+                                    <p:cond delay="0"/>
+                                  </p:stCondLst>
+                                  <p:childTnLst>
+                                    <p:set>
+                                      <p:cBhvr>
+                                        <p:cTn id="24" dur="1" fill="hold">
+                                          <p:stCondLst>
+                                            <p:cond delay="0"/>
+                                          </p:stCondLst>
+                                        </p:cTn>
+                                        <p:tgtEl>
+                                          <p:spTgt spid="10"/>
+                                        </p:tgtEl>
+                                        <p:attrNameLst>
+                                          <p:attrName>style.visibility</p:attrName>
+                                        </p:attrNameLst>
+                                      </p:cBhvr>
+                                      <p:to>
+                                        <p:strVal val="visible"/>
+                                      </p:to>
+                                    </p:set>
+                                    <p:anim calcmode="lin" valueType="num">
+                                      <p:cBhvr additive="base">
+                                        <p:cTn id="25" dur="500" fill="hold"/>
+                                        <p:tgtEl>
+                                          <p:spTgt spid="10"/>
+                                        </p:tgtEl>
+                                        <p:attrNameLst>
+                                          <p:attrName>ppt_x</p:attrName>
+                                        </p:attrNameLst>
+                                      </p:cBhvr>
+                                      <p:tavLst>
+                                        <p:tav tm="0">
+                                          <p:val>
+                                            <p:strVal val="#ppt_x"/>
+                                          </p:val>
+                                        </p:tav>
+                                        <p:tav tm="100000">
+                                          <p:val>
+                                            <p:strVal val="#ppt_x"/>
+                                          </p:val>
+                                        </p:tav>
+                                      </p:tavLst>
+                                    </p:anim>
+                                    <p:anim calcmode="lin" valueType="num">
+                                      <p:cBhvr additive="base">
+                                        <p:cTn id="26" dur="500" fill="hold"/>
+                                        <p:tgtEl>
+                                          <p:spTgt spid="10"/>
+                                        </p:tgtEl>
+                                        <p:attrNameLst>
+                                          <p:attrName>ppt_y</p:attrName>
+                                        </p:attrNameLst>
+                                      </p:cBhvr>
+                                      <p:tavLst>
+                                        <p:tav tm="0">
+                                          <p:val>
+                                            <p:strVal val="1+#ppt_h/2"/>
+                                          </p:val>
+                                        </p:tav>
+                                        <p:tav tm="100000">
+                                          <p:val>
+                                            <p:strVal val="#ppt_y"/>
+                                          </p:val>
+                                        </p:tav>
+                                      </p:tavLst>
+                                    </p:anim>
+                                  </p:childTnLst>
+                                </p:cTn>
+                              </p:par>
+                            </p:childTnLst>
+                          </p:cTn>
+                        </p:par>
+                      </p:childTnLst>
+                    </p:cTn>
+                  </p:par>
+                </p:childTnLst>
+              </p:cTn>
+              <p:prevCondLst>
+                <p:cond evt="onPrev" delay="0">
+                  <p:tgtEl>
+                    <p:sldTgt/>
+                  </p:tgtEl>
+                </p:cond>
+              </p:prevCondLst>
+              <p:nextCondLst>
+                <p:cond evt="onNext" delay="0">
+                  <p:tgtEl>
+                    <p:sldTgt/>
+                  </p:tgtEl>
+                </p:cond>
+              </p:nextCondLst>
+            </p:seq>
+          </p:childTnLst>
+        </p:cTn>
+      </p:par>
+    </p:tnLst>
+    <p:bldLst>
+      <p:bldP spid="7" grpId="0"/>
+      <p:bldP spid="8" grpId="0"/>
+      <p:bldP spid="9" grpId="0"/>
+      <p:bldP spid="10" grpId="0"/>
+    </p:bldLst>
+  </p:timing>
+</p:sld>
+</file>
+
+<file path=ppt/slides/slide3.xml><?xml version="1.0" encoding="utf-8"?>
 <p:sld xmlns:a="http://schemas.openxmlformats.org/drawingml/2006/main" xmlns:r="http://schemas.openxmlformats.org/officeDocument/2006/relationships" xmlns:p="http://schemas.openxmlformats.org/presentationml/2006/main">
   <p:cSld>
     <p:spTree>
@@ -20755,16 +22921,7 @@
                           </a:solidFill>
                           <a:effectLst/>
                         </a:rPr>
-                        <a:t>1 </a:t>
-                      </a:r>
-                      <a:r>
-                        <a:rPr lang="en-US" sz="2000" b="0" i="1" dirty="0" smtClean="0">
-                          <a:solidFill>
-                            <a:srgbClr val="00B050"/>
-                          </a:solidFill>
-                          <a:effectLst/>
-                        </a:rPr>
-                        <a:t>hour</a:t>
+                        <a:t>1 hour</a:t>
                       </a:r>
                       <a:endParaRPr lang="en-US" sz="2000" b="0" i="1" dirty="0">
                         <a:solidFill>
@@ -21043,15 +23200,7 @@
                             <a:schemeClr val="bg1"/>
                           </a:solidFill>
                         </a:rPr>
-                        <a:t> wrap-up, evaluations, and $100 online store give-a-way </a:t>
-                      </a:r>
-                      <a:r>
-                        <a:rPr lang="en-US" sz="2000" b="1" baseline="0" dirty="0" smtClean="0">
-                          <a:solidFill>
-                            <a:schemeClr val="bg1"/>
-                          </a:solidFill>
-                        </a:rPr>
-                        <a:t>before 4PM</a:t>
+                        <a:t> wrap-up, evaluations, and $100 online store give-a-way before 4PM</a:t>
                       </a:r>
                       <a:endParaRPr lang="en-US" sz="2000" b="1" dirty="0">
                         <a:solidFill>
@@ -21153,7 +23302,107 @@
 </p:sld>
 </file>
 
-<file path=ppt/slides/slide3.xml><?xml version="1.0" encoding="utf-8"?>
+<file path=ppt/slides/slide4.xml><?xml version="1.0" encoding="utf-8"?>
+<p:sld xmlns:a="http://schemas.openxmlformats.org/drawingml/2006/main" xmlns:r="http://schemas.openxmlformats.org/officeDocument/2006/relationships" xmlns:p="http://schemas.openxmlformats.org/presentationml/2006/main">
+  <p:cSld>
+    <p:spTree>
+      <p:nvGrpSpPr>
+        <p:cNvPr id="1" name=""/>
+        <p:cNvGrpSpPr/>
+        <p:nvPr/>
+      </p:nvGrpSpPr>
+      <p:grpSpPr>
+        <a:xfrm>
+          <a:off x="0" y="0"/>
+          <a:ext cx="0" cy="0"/>
+          <a:chOff x="0" y="0"/>
+          <a:chExt cx="0" cy="0"/>
+        </a:xfrm>
+      </p:grpSpPr>
+      <p:sp>
+        <p:nvSpPr>
+          <p:cNvPr id="2" name="Slide Number Placeholder 1"/>
+          <p:cNvSpPr>
+            <a:spLocks noGrp="1"/>
+          </p:cNvSpPr>
+          <p:nvPr>
+            <p:ph type="sldNum" sz="quarter" idx="12"/>
+          </p:nvPr>
+        </p:nvSpPr>
+        <p:spPr/>
+        <p:txBody>
+          <a:bodyPr/>
+          <a:lstStyle/>
+          <a:p>
+            <a:fld id="{0A164282-434E-41D4-9582-783D542A7B68}" type="slidenum">
+              <a:rPr lang="en-US" smtClean="0"/>
+              <a:t>4</a:t>
+            </a:fld>
+            <a:endParaRPr lang="en-US"/>
+          </a:p>
+        </p:txBody>
+      </p:sp>
+      <p:sp>
+        <p:nvSpPr>
+          <p:cNvPr id="3" name="Rectangle 2"/>
+          <p:cNvSpPr/>
+          <p:nvPr/>
+        </p:nvSpPr>
+        <p:spPr>
+          <a:xfrm>
+            <a:off x="589973" y="2875002"/>
+            <a:ext cx="11012054" cy="1107996"/>
+          </a:xfrm>
+          <a:prstGeom prst="rect">
+            <a:avLst/>
+          </a:prstGeom>
+        </p:spPr>
+        <p:txBody>
+          <a:bodyPr wrap="none">
+            <a:spAutoFit/>
+          </a:bodyPr>
+          <a:lstStyle/>
+          <a:p>
+            <a:r>
+              <a:rPr lang="en-US" sz="6600" dirty="0"/>
+              <a:t>http://</a:t>
+            </a:r>
+            <a:r>
+              <a:rPr lang="en-US" sz="6600" b="1" dirty="0">
+                <a:effectLst>
+                  <a:outerShdw blurRad="38100" dist="38100" dir="2700000" algn="tl">
+                    <a:srgbClr val="000000">
+                      <a:alpha val="43137"/>
+                    </a:srgbClr>
+                  </a:outerShdw>
+                </a:effectLst>
+              </a:rPr>
+              <a:t>bit.ly/webcamp2015</a:t>
+            </a:r>
+          </a:p>
+        </p:txBody>
+      </p:sp>
+    </p:spTree>
+    <p:extLst>
+      <p:ext uri="{BB962C8B-B14F-4D97-AF65-F5344CB8AC3E}">
+        <p14:creationId xmlns:p14="http://schemas.microsoft.com/office/powerpoint/2010/main" val="2013433913"/>
+      </p:ext>
+    </p:extLst>
+  </p:cSld>
+  <p:clrMapOvr>
+    <a:masterClrMapping/>
+  </p:clrMapOvr>
+  <p:timing>
+    <p:tnLst>
+      <p:par>
+        <p:cTn id="1" dur="indefinite" restart="never" nodeType="tmRoot"/>
+      </p:par>
+    </p:tnLst>
+  </p:timing>
+</p:sld>
+</file>
+
+<file path=ppt/slides/slide5.xml><?xml version="1.0" encoding="utf-8"?>
 <p:sld xmlns:a="http://schemas.openxmlformats.org/drawingml/2006/main" xmlns:r="http://schemas.openxmlformats.org/officeDocument/2006/relationships" xmlns:p="http://schemas.openxmlformats.org/presentationml/2006/main">
   <p:cSld>
     <p:bg>
@@ -21188,16 +23437,15 @@
           </p:cNvPicPr>
           <p:nvPr/>
         </p:nvPicPr>
-        <p:blipFill>
+        <p:blipFill rotWithShape="1">
           <a:blip r:embed="rId3"/>
-          <a:stretch>
-            <a:fillRect/>
-          </a:stretch>
+          <a:srcRect t="1" b="3140"/>
+          <a:stretch/>
         </p:blipFill>
         <p:spPr>
           <a:xfrm>
-            <a:off x="3076575" y="1624012"/>
-            <a:ext cx="6038850" cy="3609975"/>
+            <a:off x="3076575" y="1624013"/>
+            <a:ext cx="6038850" cy="3496627"/>
           </a:xfrm>
           <a:prstGeom prst="rect">
             <a:avLst/>
@@ -21242,7 +23490,7 @@
 </p:sld>
 </file>
 
-<file path=ppt/slides/slide4.xml><?xml version="1.0" encoding="utf-8"?>
+<file path=ppt/slides/slide6.xml><?xml version="1.0" encoding="utf-8"?>
 <p:sld xmlns:a="http://schemas.openxmlformats.org/drawingml/2006/main" xmlns:r="http://schemas.openxmlformats.org/officeDocument/2006/relationships" xmlns:p="http://schemas.openxmlformats.org/presentationml/2006/main">
   <p:cSld>
     <p:spTree>
@@ -21815,7 +24063,7 @@
 </p:sld>
 </file>
 
-<file path=ppt/slides/slide5.xml><?xml version="1.0" encoding="utf-8"?>
+<file path=ppt/slides/slide7.xml><?xml version="1.0" encoding="utf-8"?>
 <p:sld xmlns:a="http://schemas.openxmlformats.org/drawingml/2006/main" xmlns:r="http://schemas.openxmlformats.org/officeDocument/2006/relationships" xmlns:p="http://schemas.openxmlformats.org/presentationml/2006/main">
   <p:cSld>
     <p:spTree>
@@ -22677,7 +24925,7 @@
 </p:sld>
 </file>
 
-<file path=ppt/slides/slide6.xml><?xml version="1.0" encoding="utf-8"?>
+<file path=ppt/slides/slide8.xml><?xml version="1.0" encoding="utf-8"?>
 <p:sld xmlns:a="http://schemas.openxmlformats.org/drawingml/2006/main" xmlns:r="http://schemas.openxmlformats.org/officeDocument/2006/relationships" xmlns:p="http://schemas.openxmlformats.org/presentationml/2006/main">
   <p:cSld>
     <p:spTree>
@@ -23576,7 +25824,7 @@
 </p:sld>
 </file>
 
-<file path=ppt/slides/slide7.xml><?xml version="1.0" encoding="utf-8"?>
+<file path=ppt/slides/slide9.xml><?xml version="1.0" encoding="utf-8"?>
 <p:sld xmlns:a="http://schemas.openxmlformats.org/drawingml/2006/main" xmlns:r="http://schemas.openxmlformats.org/officeDocument/2006/relationships" xmlns:p="http://schemas.openxmlformats.org/presentationml/2006/main">
   <p:cSld>
     <p:spTree>
@@ -24423,1207 +26671,6 @@
   <p:transition>
     <p:wipe/>
   </p:transition>
-  <p:timing>
-    <p:tnLst>
-      <p:par>
-        <p:cTn id="1" dur="indefinite" restart="never" nodeType="tmRoot"/>
-      </p:par>
-    </p:tnLst>
-  </p:timing>
-</p:sld>
-</file>
-
-<file path=ppt/slides/slide8.xml><?xml version="1.0" encoding="utf-8"?>
-<p:sld xmlns:a="http://schemas.openxmlformats.org/drawingml/2006/main" xmlns:r="http://schemas.openxmlformats.org/officeDocument/2006/relationships" xmlns:p="http://schemas.openxmlformats.org/presentationml/2006/main">
-  <p:cSld>
-    <p:spTree>
-      <p:nvGrpSpPr>
-        <p:cNvPr id="1" name=""/>
-        <p:cNvGrpSpPr/>
-        <p:nvPr/>
-      </p:nvGrpSpPr>
-      <p:grpSpPr>
-        <a:xfrm>
-          <a:off x="0" y="0"/>
-          <a:ext cx="0" cy="0"/>
-          <a:chOff x="0" y="0"/>
-          <a:chExt cx="0" cy="0"/>
-        </a:xfrm>
-      </p:grpSpPr>
-      <p:sp>
-        <p:nvSpPr>
-          <p:cNvPr id="7" name="Title 6"/>
-          <p:cNvSpPr>
-            <a:spLocks noGrp="1"/>
-          </p:cNvSpPr>
-          <p:nvPr>
-            <p:ph type="title"/>
-          </p:nvPr>
-        </p:nvSpPr>
-        <p:spPr>
-          <a:xfrm>
-            <a:off x="520701" y="228600"/>
-            <a:ext cx="11149013" cy="553998"/>
-          </a:xfrm>
-        </p:spPr>
-        <p:txBody>
-          <a:bodyPr>
-            <a:normAutofit fontScale="90000"/>
-          </a:bodyPr>
-          <a:lstStyle/>
-          <a:p>
-            <a:r>
-              <a:rPr lang="en-US" sz="4000" dirty="0"/>
-              <a:t>Deploying ASP.NET Apps to the Cloud</a:t>
-            </a:r>
-          </a:p>
-        </p:txBody>
-      </p:sp>
-      <p:sp>
-        <p:nvSpPr>
-          <p:cNvPr id="5" name="Text Placeholder 4"/>
-          <p:cNvSpPr>
-            <a:spLocks noGrp="1"/>
-          </p:cNvSpPr>
-          <p:nvPr>
-            <p:ph type="body" sz="quarter" idx="10"/>
-          </p:nvPr>
-        </p:nvSpPr>
-        <p:spPr>
-          <a:xfrm>
-            <a:off x="520701" y="1820579"/>
-            <a:ext cx="5404810" cy="2554545"/>
-          </a:xfrm>
-        </p:spPr>
-        <p:txBody>
-          <a:bodyPr>
-            <a:normAutofit/>
-          </a:bodyPr>
-          <a:lstStyle/>
-          <a:p>
-            <a:pPr>
-              <a:spcBef>
-                <a:spcPts val="1200"/>
-              </a:spcBef>
-              <a:spcAft>
-                <a:spcPts val="0"/>
-              </a:spcAft>
-            </a:pPr>
-            <a:r>
-              <a:rPr lang="en-US" sz="2800" dirty="0" smtClean="0">
-                <a:solidFill>
-                  <a:schemeClr val="bg1"/>
-                </a:solidFill>
-              </a:rPr>
-              <a:t>Microsoft </a:t>
-            </a:r>
-            <a:r>
-              <a:rPr lang="en-US" sz="2800" dirty="0">
-                <a:solidFill>
-                  <a:schemeClr val="bg1"/>
-                </a:solidFill>
-              </a:rPr>
-              <a:t>Azure Web Sites (10 free!)</a:t>
-            </a:r>
-          </a:p>
-          <a:p>
-            <a:pPr>
-              <a:spcBef>
-                <a:spcPts val="1200"/>
-              </a:spcBef>
-              <a:spcAft>
-                <a:spcPts val="0"/>
-              </a:spcAft>
-            </a:pPr>
-            <a:r>
-              <a:rPr lang="en-US" sz="2800" dirty="0">
-                <a:solidFill>
-                  <a:schemeClr val="bg1"/>
-                </a:solidFill>
-              </a:rPr>
-              <a:t>Fast site creation and deployment</a:t>
-            </a:r>
-          </a:p>
-          <a:p>
-            <a:pPr>
-              <a:spcBef>
-                <a:spcPts val="1200"/>
-              </a:spcBef>
-              <a:spcAft>
-                <a:spcPts val="0"/>
-              </a:spcAft>
-            </a:pPr>
-            <a:r>
-              <a:rPr lang="en-US" sz="2800" dirty="0">
-                <a:solidFill>
-                  <a:schemeClr val="bg1"/>
-                </a:solidFill>
-              </a:rPr>
-              <a:t>Nothing new to learn</a:t>
-            </a:r>
-          </a:p>
-          <a:p>
-            <a:pPr>
-              <a:spcBef>
-                <a:spcPts val="1200"/>
-              </a:spcBef>
-              <a:spcAft>
-                <a:spcPts val="0"/>
-              </a:spcAft>
-            </a:pPr>
-            <a:r>
-              <a:rPr lang="en-US" sz="2800" dirty="0">
-                <a:solidFill>
-                  <a:schemeClr val="bg1"/>
-                </a:solidFill>
-              </a:rPr>
-              <a:t>Easy to </a:t>
-            </a:r>
-            <a:r>
-              <a:rPr lang="en-US" sz="2800" dirty="0" smtClean="0">
-                <a:solidFill>
-                  <a:schemeClr val="bg1"/>
-                </a:solidFill>
-              </a:rPr>
-              <a:t>scale</a:t>
-            </a:r>
-            <a:endParaRPr lang="en-US" sz="2800" dirty="0">
-              <a:solidFill>
-                <a:schemeClr val="bg1"/>
-              </a:solidFill>
-            </a:endParaRPr>
-          </a:p>
-        </p:txBody>
-      </p:sp>
-      <p:pic>
-        <p:nvPicPr>
-          <p:cNvPr id="3" name="Picture 2"/>
-          <p:cNvPicPr>
-            <a:picLocks noChangeAspect="1"/>
-          </p:cNvPicPr>
-          <p:nvPr/>
-        </p:nvPicPr>
-        <p:blipFill>
-          <a:blip r:embed="rId3" cstate="print">
-            <a:extLst>
-              <a:ext uri="{28A0092B-C50C-407E-A947-70E740481C1C}">
-                <a14:useLocalDpi xmlns:a14="http://schemas.microsoft.com/office/drawing/2010/main" val="0"/>
-              </a:ext>
-            </a:extLst>
-          </a:blip>
-          <a:stretch>
-            <a:fillRect/>
-          </a:stretch>
-        </p:blipFill>
-        <p:spPr>
-          <a:xfrm>
-            <a:off x="4459316" y="101600"/>
-            <a:ext cx="10598728" cy="6858000"/>
-          </a:xfrm>
-          <a:prstGeom prst="rect">
-            <a:avLst/>
-          </a:prstGeom>
-        </p:spPr>
-      </p:pic>
-    </p:spTree>
-    <p:extLst>
-      <p:ext uri="{BB962C8B-B14F-4D97-AF65-F5344CB8AC3E}">
-        <p14:creationId xmlns:p14="http://schemas.microsoft.com/office/powerpoint/2010/main" val="1579616061"/>
-      </p:ext>
-    </p:extLst>
-  </p:cSld>
-  <p:clrMapOvr>
-    <a:masterClrMapping/>
-  </p:clrMapOvr>
-  <mc:AlternateContent xmlns:mc="http://schemas.openxmlformats.org/markup-compatibility/2006" xmlns:p14="http://schemas.microsoft.com/office/powerpoint/2010/main">
-    <mc:Choice Requires="p14">
-      <p:transition spd="med" p14:dur="700">
-        <p:fade/>
-      </p:transition>
-    </mc:Choice>
-    <mc:Fallback xmlns="">
-      <p:transition spd="med">
-        <p:fade/>
-      </p:transition>
-    </mc:Fallback>
-  </mc:AlternateContent>
-  <p:timing>
-    <p:tnLst>
-      <p:par>
-        <p:cTn id="1" dur="indefinite" restart="never" nodeType="tmRoot">
-          <p:childTnLst>
-            <p:seq concurrent="1" nextAc="seek">
-              <p:cTn id="2" dur="indefinite" nodeType="mainSeq">
-                <p:childTnLst>
-                  <p:par>
-                    <p:cTn id="3" fill="hold">
-                      <p:stCondLst>
-                        <p:cond delay="indefinite"/>
-                        <p:cond evt="onBegin" delay="0">
-                          <p:tn val="2"/>
-                        </p:cond>
-                      </p:stCondLst>
-                      <p:childTnLst>
-                        <p:par>
-                          <p:cTn id="4" fill="hold">
-                            <p:stCondLst>
-                              <p:cond delay="0"/>
-                            </p:stCondLst>
-                            <p:childTnLst>
-                              <p:par>
-                                <p:cTn id="5" presetID="2" presetClass="entr" presetSubtype="2" decel="100000" fill="hold" grpId="0" nodeType="withEffect">
-                                  <p:stCondLst>
-                                    <p:cond delay="0"/>
-                                  </p:stCondLst>
-                                  <p:childTnLst>
-                                    <p:set>
-                                      <p:cBhvr>
-                                        <p:cTn id="6" dur="1" fill="hold">
-                                          <p:stCondLst>
-                                            <p:cond delay="0"/>
-                                          </p:stCondLst>
-                                        </p:cTn>
-                                        <p:tgtEl>
-                                          <p:spTgt spid="5">
-                                            <p:txEl>
-                                              <p:pRg st="0" end="0"/>
-                                            </p:txEl>
-                                          </p:spTgt>
-                                        </p:tgtEl>
-                                        <p:attrNameLst>
-                                          <p:attrName>style.visibility</p:attrName>
-                                        </p:attrNameLst>
-                                      </p:cBhvr>
-                                      <p:to>
-                                        <p:strVal val="visible"/>
-                                      </p:to>
-                                    </p:set>
-                                    <p:anim calcmode="lin" valueType="num">
-                                      <p:cBhvr additive="base">
-                                        <p:cTn id="7" dur="500" fill="hold"/>
-                                        <p:tgtEl>
-                                          <p:spTgt spid="5">
-                                            <p:txEl>
-                                              <p:pRg st="0" end="0"/>
-                                            </p:txEl>
-                                          </p:spTgt>
-                                        </p:tgtEl>
-                                        <p:attrNameLst>
-                                          <p:attrName>ppt_x</p:attrName>
-                                        </p:attrNameLst>
-                                      </p:cBhvr>
-                                      <p:tavLst>
-                                        <p:tav tm="0">
-                                          <p:val>
-                                            <p:strVal val="1+#ppt_w/2"/>
-                                          </p:val>
-                                        </p:tav>
-                                        <p:tav tm="100000">
-                                          <p:val>
-                                            <p:strVal val="#ppt_x"/>
-                                          </p:val>
-                                        </p:tav>
-                                      </p:tavLst>
-                                    </p:anim>
-                                    <p:anim calcmode="lin" valueType="num">
-                                      <p:cBhvr additive="base">
-                                        <p:cTn id="8" dur="500" fill="hold"/>
-                                        <p:tgtEl>
-                                          <p:spTgt spid="5">
-                                            <p:txEl>
-                                              <p:pRg st="0" end="0"/>
-                                            </p:txEl>
-                                          </p:spTgt>
-                                        </p:tgtEl>
-                                        <p:attrNameLst>
-                                          <p:attrName>ppt_y</p:attrName>
-                                        </p:attrNameLst>
-                                      </p:cBhvr>
-                                      <p:tavLst>
-                                        <p:tav tm="0">
-                                          <p:val>
-                                            <p:strVal val="#ppt_y"/>
-                                          </p:val>
-                                        </p:tav>
-                                        <p:tav tm="100000">
-                                          <p:val>
-                                            <p:strVal val="#ppt_y"/>
-                                          </p:val>
-                                        </p:tav>
-                                      </p:tavLst>
-                                    </p:anim>
-                                  </p:childTnLst>
-                                </p:cTn>
-                              </p:par>
-                              <p:par>
-                                <p:cTn id="9" presetID="2" presetClass="entr" presetSubtype="2" decel="100000" fill="hold" grpId="0" nodeType="withEffect">
-                                  <p:stCondLst>
-                                    <p:cond delay="0"/>
-                                  </p:stCondLst>
-                                  <p:childTnLst>
-                                    <p:set>
-                                      <p:cBhvr>
-                                        <p:cTn id="10" dur="1" fill="hold">
-                                          <p:stCondLst>
-                                            <p:cond delay="0"/>
-                                          </p:stCondLst>
-                                        </p:cTn>
-                                        <p:tgtEl>
-                                          <p:spTgt spid="5">
-                                            <p:txEl>
-                                              <p:pRg st="1" end="1"/>
-                                            </p:txEl>
-                                          </p:spTgt>
-                                        </p:tgtEl>
-                                        <p:attrNameLst>
-                                          <p:attrName>style.visibility</p:attrName>
-                                        </p:attrNameLst>
-                                      </p:cBhvr>
-                                      <p:to>
-                                        <p:strVal val="visible"/>
-                                      </p:to>
-                                    </p:set>
-                                    <p:anim calcmode="lin" valueType="num">
-                                      <p:cBhvr additive="base">
-                                        <p:cTn id="11" dur="500" fill="hold"/>
-                                        <p:tgtEl>
-                                          <p:spTgt spid="5">
-                                            <p:txEl>
-                                              <p:pRg st="1" end="1"/>
-                                            </p:txEl>
-                                          </p:spTgt>
-                                        </p:tgtEl>
-                                        <p:attrNameLst>
-                                          <p:attrName>ppt_x</p:attrName>
-                                        </p:attrNameLst>
-                                      </p:cBhvr>
-                                      <p:tavLst>
-                                        <p:tav tm="0">
-                                          <p:val>
-                                            <p:strVal val="1+#ppt_w/2"/>
-                                          </p:val>
-                                        </p:tav>
-                                        <p:tav tm="100000">
-                                          <p:val>
-                                            <p:strVal val="#ppt_x"/>
-                                          </p:val>
-                                        </p:tav>
-                                      </p:tavLst>
-                                    </p:anim>
-                                    <p:anim calcmode="lin" valueType="num">
-                                      <p:cBhvr additive="base">
-                                        <p:cTn id="12" dur="500" fill="hold"/>
-                                        <p:tgtEl>
-                                          <p:spTgt spid="5">
-                                            <p:txEl>
-                                              <p:pRg st="1" end="1"/>
-                                            </p:txEl>
-                                          </p:spTgt>
-                                        </p:tgtEl>
-                                        <p:attrNameLst>
-                                          <p:attrName>ppt_y</p:attrName>
-                                        </p:attrNameLst>
-                                      </p:cBhvr>
-                                      <p:tavLst>
-                                        <p:tav tm="0">
-                                          <p:val>
-                                            <p:strVal val="#ppt_y"/>
-                                          </p:val>
-                                        </p:tav>
-                                        <p:tav tm="100000">
-                                          <p:val>
-                                            <p:strVal val="#ppt_y"/>
-                                          </p:val>
-                                        </p:tav>
-                                      </p:tavLst>
-                                    </p:anim>
-                                  </p:childTnLst>
-                                </p:cTn>
-                              </p:par>
-                              <p:par>
-                                <p:cTn id="13" presetID="2" presetClass="entr" presetSubtype="2" decel="100000" fill="hold" grpId="0" nodeType="withEffect">
-                                  <p:stCondLst>
-                                    <p:cond delay="0"/>
-                                  </p:stCondLst>
-                                  <p:childTnLst>
-                                    <p:set>
-                                      <p:cBhvr>
-                                        <p:cTn id="14" dur="1" fill="hold">
-                                          <p:stCondLst>
-                                            <p:cond delay="0"/>
-                                          </p:stCondLst>
-                                        </p:cTn>
-                                        <p:tgtEl>
-                                          <p:spTgt spid="5">
-                                            <p:txEl>
-                                              <p:pRg st="2" end="2"/>
-                                            </p:txEl>
-                                          </p:spTgt>
-                                        </p:tgtEl>
-                                        <p:attrNameLst>
-                                          <p:attrName>style.visibility</p:attrName>
-                                        </p:attrNameLst>
-                                      </p:cBhvr>
-                                      <p:to>
-                                        <p:strVal val="visible"/>
-                                      </p:to>
-                                    </p:set>
-                                    <p:anim calcmode="lin" valueType="num">
-                                      <p:cBhvr additive="base">
-                                        <p:cTn id="15" dur="500" fill="hold"/>
-                                        <p:tgtEl>
-                                          <p:spTgt spid="5">
-                                            <p:txEl>
-                                              <p:pRg st="2" end="2"/>
-                                            </p:txEl>
-                                          </p:spTgt>
-                                        </p:tgtEl>
-                                        <p:attrNameLst>
-                                          <p:attrName>ppt_x</p:attrName>
-                                        </p:attrNameLst>
-                                      </p:cBhvr>
-                                      <p:tavLst>
-                                        <p:tav tm="0">
-                                          <p:val>
-                                            <p:strVal val="1+#ppt_w/2"/>
-                                          </p:val>
-                                        </p:tav>
-                                        <p:tav tm="100000">
-                                          <p:val>
-                                            <p:strVal val="#ppt_x"/>
-                                          </p:val>
-                                        </p:tav>
-                                      </p:tavLst>
-                                    </p:anim>
-                                    <p:anim calcmode="lin" valueType="num">
-                                      <p:cBhvr additive="base">
-                                        <p:cTn id="16" dur="500" fill="hold"/>
-                                        <p:tgtEl>
-                                          <p:spTgt spid="5">
-                                            <p:txEl>
-                                              <p:pRg st="2" end="2"/>
-                                            </p:txEl>
-                                          </p:spTgt>
-                                        </p:tgtEl>
-                                        <p:attrNameLst>
-                                          <p:attrName>ppt_y</p:attrName>
-                                        </p:attrNameLst>
-                                      </p:cBhvr>
-                                      <p:tavLst>
-                                        <p:tav tm="0">
-                                          <p:val>
-                                            <p:strVal val="#ppt_y"/>
-                                          </p:val>
-                                        </p:tav>
-                                        <p:tav tm="100000">
-                                          <p:val>
-                                            <p:strVal val="#ppt_y"/>
-                                          </p:val>
-                                        </p:tav>
-                                      </p:tavLst>
-                                    </p:anim>
-                                  </p:childTnLst>
-                                </p:cTn>
-                              </p:par>
-                              <p:par>
-                                <p:cTn id="17" presetID="2" presetClass="entr" presetSubtype="2" decel="100000" fill="hold" grpId="0" nodeType="withEffect">
-                                  <p:stCondLst>
-                                    <p:cond delay="0"/>
-                                  </p:stCondLst>
-                                  <p:childTnLst>
-                                    <p:set>
-                                      <p:cBhvr>
-                                        <p:cTn id="18" dur="1" fill="hold">
-                                          <p:stCondLst>
-                                            <p:cond delay="0"/>
-                                          </p:stCondLst>
-                                        </p:cTn>
-                                        <p:tgtEl>
-                                          <p:spTgt spid="5">
-                                            <p:txEl>
-                                              <p:pRg st="3" end="3"/>
-                                            </p:txEl>
-                                          </p:spTgt>
-                                        </p:tgtEl>
-                                        <p:attrNameLst>
-                                          <p:attrName>style.visibility</p:attrName>
-                                        </p:attrNameLst>
-                                      </p:cBhvr>
-                                      <p:to>
-                                        <p:strVal val="visible"/>
-                                      </p:to>
-                                    </p:set>
-                                    <p:anim calcmode="lin" valueType="num">
-                                      <p:cBhvr additive="base">
-                                        <p:cTn id="19" dur="500" fill="hold"/>
-                                        <p:tgtEl>
-                                          <p:spTgt spid="5">
-                                            <p:txEl>
-                                              <p:pRg st="3" end="3"/>
-                                            </p:txEl>
-                                          </p:spTgt>
-                                        </p:tgtEl>
-                                        <p:attrNameLst>
-                                          <p:attrName>ppt_x</p:attrName>
-                                        </p:attrNameLst>
-                                      </p:cBhvr>
-                                      <p:tavLst>
-                                        <p:tav tm="0">
-                                          <p:val>
-                                            <p:strVal val="1+#ppt_w/2"/>
-                                          </p:val>
-                                        </p:tav>
-                                        <p:tav tm="100000">
-                                          <p:val>
-                                            <p:strVal val="#ppt_x"/>
-                                          </p:val>
-                                        </p:tav>
-                                      </p:tavLst>
-                                    </p:anim>
-                                    <p:anim calcmode="lin" valueType="num">
-                                      <p:cBhvr additive="base">
-                                        <p:cTn id="20" dur="500" fill="hold"/>
-                                        <p:tgtEl>
-                                          <p:spTgt spid="5">
-                                            <p:txEl>
-                                              <p:pRg st="3" end="3"/>
-                                            </p:txEl>
-                                          </p:spTgt>
-                                        </p:tgtEl>
-                                        <p:attrNameLst>
-                                          <p:attrName>ppt_y</p:attrName>
-                                        </p:attrNameLst>
-                                      </p:cBhvr>
-                                      <p:tavLst>
-                                        <p:tav tm="0">
-                                          <p:val>
-                                            <p:strVal val="#ppt_y"/>
-                                          </p:val>
-                                        </p:tav>
-                                        <p:tav tm="100000">
-                                          <p:val>
-                                            <p:strVal val="#ppt_y"/>
-                                          </p:val>
-                                        </p:tav>
-                                      </p:tavLst>
-                                    </p:anim>
-                                  </p:childTnLst>
-                                </p:cTn>
-                              </p:par>
-                              <p:par>
-                                <p:cTn id="21" presetID="2" presetClass="entr" presetSubtype="2" fill="hold" nodeType="withEffect">
-                                  <p:stCondLst>
-                                    <p:cond delay="0"/>
-                                  </p:stCondLst>
-                                  <p:childTnLst>
-                                    <p:set>
-                                      <p:cBhvr>
-                                        <p:cTn id="22" dur="1" fill="hold">
-                                          <p:stCondLst>
-                                            <p:cond delay="0"/>
-                                          </p:stCondLst>
-                                        </p:cTn>
-                                        <p:tgtEl>
-                                          <p:spTgt spid="3"/>
-                                        </p:tgtEl>
-                                        <p:attrNameLst>
-                                          <p:attrName>style.visibility</p:attrName>
-                                        </p:attrNameLst>
-                                      </p:cBhvr>
-                                      <p:to>
-                                        <p:strVal val="visible"/>
-                                      </p:to>
-                                    </p:set>
-                                    <p:anim calcmode="lin" valueType="num">
-                                      <p:cBhvr additive="base">
-                                        <p:cTn id="23" dur="500" fill="hold"/>
-                                        <p:tgtEl>
-                                          <p:spTgt spid="3"/>
-                                        </p:tgtEl>
-                                        <p:attrNameLst>
-                                          <p:attrName>ppt_x</p:attrName>
-                                        </p:attrNameLst>
-                                      </p:cBhvr>
-                                      <p:tavLst>
-                                        <p:tav tm="0">
-                                          <p:val>
-                                            <p:strVal val="1+#ppt_w/2"/>
-                                          </p:val>
-                                        </p:tav>
-                                        <p:tav tm="100000">
-                                          <p:val>
-                                            <p:strVal val="#ppt_x"/>
-                                          </p:val>
-                                        </p:tav>
-                                      </p:tavLst>
-                                    </p:anim>
-                                    <p:anim calcmode="lin" valueType="num">
-                                      <p:cBhvr additive="base">
-                                        <p:cTn id="24" dur="500" fill="hold"/>
-                                        <p:tgtEl>
-                                          <p:spTgt spid="3"/>
-                                        </p:tgtEl>
-                                        <p:attrNameLst>
-                                          <p:attrName>ppt_y</p:attrName>
-                                        </p:attrNameLst>
-                                      </p:cBhvr>
-                                      <p:tavLst>
-                                        <p:tav tm="0">
-                                          <p:val>
-                                            <p:strVal val="#ppt_y"/>
-                                          </p:val>
-                                        </p:tav>
-                                        <p:tav tm="100000">
-                                          <p:val>
-                                            <p:strVal val="#ppt_y"/>
-                                          </p:val>
-                                        </p:tav>
-                                      </p:tavLst>
-                                    </p:anim>
-                                  </p:childTnLst>
-                                </p:cTn>
-                              </p:par>
-                            </p:childTnLst>
-                          </p:cTn>
-                        </p:par>
-                      </p:childTnLst>
-                    </p:cTn>
-                  </p:par>
-                </p:childTnLst>
-              </p:cTn>
-              <p:prevCondLst>
-                <p:cond evt="onPrev" delay="0">
-                  <p:tgtEl>
-                    <p:sldTgt/>
-                  </p:tgtEl>
-                </p:cond>
-              </p:prevCondLst>
-              <p:nextCondLst>
-                <p:cond evt="onNext" delay="0">
-                  <p:tgtEl>
-                    <p:sldTgt/>
-                  </p:tgtEl>
-                </p:cond>
-              </p:nextCondLst>
-            </p:seq>
-          </p:childTnLst>
-        </p:cTn>
-      </p:par>
-    </p:tnLst>
-    <p:bldLst>
-      <p:bldP spid="5" grpId="0" build="p"/>
-    </p:bldLst>
-  </p:timing>
-</p:sld>
-</file>
-
-<file path=ppt/slides/slide9.xml><?xml version="1.0" encoding="utf-8"?>
-<p:sld xmlns:a="http://schemas.openxmlformats.org/drawingml/2006/main" xmlns:r="http://schemas.openxmlformats.org/officeDocument/2006/relationships" xmlns:p="http://schemas.openxmlformats.org/presentationml/2006/main">
-  <p:cSld>
-    <p:spTree>
-      <p:nvGrpSpPr>
-        <p:cNvPr id="1" name=""/>
-        <p:cNvGrpSpPr/>
-        <p:nvPr/>
-      </p:nvGrpSpPr>
-      <p:grpSpPr>
-        <a:xfrm>
-          <a:off x="0" y="0"/>
-          <a:ext cx="0" cy="0"/>
-          <a:chOff x="0" y="0"/>
-          <a:chExt cx="0" cy="0"/>
-        </a:xfrm>
-      </p:grpSpPr>
-      <p:sp>
-        <p:nvSpPr>
-          <p:cNvPr id="5" name="Title 4"/>
-          <p:cNvSpPr>
-            <a:spLocks noGrp="1"/>
-          </p:cNvSpPr>
-          <p:nvPr>
-            <p:ph type="title"/>
-          </p:nvPr>
-        </p:nvSpPr>
-        <p:spPr/>
-        <p:txBody>
-          <a:bodyPr>
-            <a:normAutofit fontScale="90000"/>
-          </a:bodyPr>
-          <a:lstStyle/>
-          <a:p>
-            <a:r>
-              <a:rPr lang="en-US" smtClean="0"/>
-              <a:t>Resources</a:t>
-            </a:r>
-            <a:endParaRPr lang="en-US" dirty="0"/>
-          </a:p>
-        </p:txBody>
-      </p:sp>
-      <p:sp>
-        <p:nvSpPr>
-          <p:cNvPr id="3" name="Text Placeholder 2"/>
-          <p:cNvSpPr>
-            <a:spLocks noGrp="1"/>
-          </p:cNvSpPr>
-          <p:nvPr>
-            <p:ph type="body" sz="quarter" idx="10"/>
-            <p:custDataLst>
-              <p:tags r:id="rId1"/>
-            </p:custDataLst>
-          </p:nvPr>
-        </p:nvSpPr>
-        <p:spPr>
-          <a:xfrm>
-            <a:off x="520701" y="1447800"/>
-            <a:ext cx="11149013" cy="4038029"/>
-          </a:xfrm>
-        </p:spPr>
-        <p:txBody>
-          <a:bodyPr>
-            <a:normAutofit fontScale="92500" lnSpcReduction="10000"/>
-          </a:bodyPr>
-          <a:lstStyle/>
-          <a:p>
-            <a:pPr>
-              <a:spcAft>
-                <a:spcPts val="1200"/>
-              </a:spcAft>
-            </a:pPr>
-            <a:r>
-              <a:rPr lang="en-US" sz="4400" dirty="0">
-                <a:ln w="3175">
-                  <a:noFill/>
-                </a:ln>
-                <a:solidFill>
-                  <a:schemeClr val="bg1"/>
-                </a:solidFill>
-                <a:cs typeface="Arial" charset="0"/>
-              </a:rPr>
-              <a:t>Feedback and questions </a:t>
-            </a:r>
-            <a:r>
-              <a:rPr lang="en-US" sz="4400" dirty="0" smtClean="0">
-                <a:ln w="3175">
-                  <a:noFill/>
-                </a:ln>
-                <a:solidFill>
-                  <a:schemeClr val="bg1"/>
-                </a:solidFill>
-                <a:cs typeface="Arial" charset="0"/>
-              </a:rPr>
-              <a:t/>
-            </a:r>
-            <a:br>
-              <a:rPr lang="en-US" sz="4400" dirty="0" smtClean="0">
-                <a:ln w="3175">
-                  <a:noFill/>
-                </a:ln>
-                <a:solidFill>
-                  <a:schemeClr val="bg1"/>
-                </a:solidFill>
-                <a:cs typeface="Arial" charset="0"/>
-              </a:rPr>
-            </a:br>
-            <a:r>
-              <a:rPr lang="en-US" dirty="0" smtClean="0">
-                <a:solidFill>
-                  <a:schemeClr val="bg1"/>
-                </a:solidFill>
-              </a:rPr>
-              <a:t/>
-            </a:r>
-            <a:br>
-              <a:rPr lang="en-US" dirty="0" smtClean="0">
-                <a:solidFill>
-                  <a:schemeClr val="bg1"/>
-                </a:solidFill>
-              </a:rPr>
-            </a:br>
-            <a:r>
-              <a:rPr lang="en-US" sz="3200" dirty="0">
-                <a:solidFill>
-                  <a:schemeClr val="bg1"/>
-                </a:solidFill>
-                <a:latin typeface="+mn-lt"/>
-              </a:rPr>
-              <a:t>http://asp.net</a:t>
-            </a:r>
-          </a:p>
-          <a:p>
-            <a:pPr>
-              <a:spcAft>
-                <a:spcPts val="1200"/>
-              </a:spcAft>
-            </a:pPr>
-            <a:r>
-              <a:rPr lang="en-US" sz="3200" dirty="0">
-                <a:solidFill>
-                  <a:schemeClr val="bg1"/>
-                </a:solidFill>
-                <a:latin typeface="+mn-lt"/>
-              </a:rPr>
-              <a:t>http://asp.net/vnext</a:t>
-            </a:r>
-          </a:p>
-          <a:p>
-            <a:pPr>
-              <a:spcAft>
-                <a:spcPts val="1200"/>
-              </a:spcAft>
-            </a:pPr>
-            <a:r>
-              <a:rPr lang="en-US" sz="3200" b="1">
-                <a:solidFill>
-                  <a:schemeClr val="bg1"/>
-                </a:solidFill>
-              </a:rPr>
-              <a:t>http</a:t>
-            </a:r>
-            <a:r>
-              <a:rPr lang="en-US" sz="3200" b="1" smtClean="0">
-                <a:solidFill>
-                  <a:schemeClr val="bg1"/>
-                </a:solidFill>
-              </a:rPr>
-              <a:t>://azure.microsoft.com</a:t>
-            </a:r>
-            <a:endParaRPr lang="en-US" sz="3200" b="1" dirty="0" smtClean="0">
-              <a:solidFill>
-                <a:schemeClr val="bg1"/>
-              </a:solidFill>
-              <a:latin typeface="+mn-lt"/>
-            </a:endParaRPr>
-          </a:p>
-          <a:p>
-            <a:pPr>
-              <a:spcAft>
-                <a:spcPts val="1200"/>
-              </a:spcAft>
-            </a:pPr>
-            <a:r>
-              <a:rPr lang="en-US" sz="3200" dirty="0" smtClean="0">
-                <a:solidFill>
-                  <a:schemeClr val="bg1"/>
-                </a:solidFill>
-                <a:latin typeface="+mn-lt"/>
-              </a:rPr>
-              <a:t>http</a:t>
-            </a:r>
-            <a:r>
-              <a:rPr lang="en-US" sz="3200" dirty="0">
-                <a:solidFill>
-                  <a:schemeClr val="bg1"/>
-                </a:solidFill>
-                <a:latin typeface="+mn-lt"/>
-              </a:rPr>
-              <a:t>://www.devcamps.ms/web </a:t>
-            </a:r>
-          </a:p>
-          <a:p>
-            <a:pPr>
-              <a:spcAft>
-                <a:spcPts val="1200"/>
-              </a:spcAft>
-            </a:pPr>
-            <a:r>
-              <a:rPr lang="en-US" sz="3200" dirty="0" smtClean="0">
-                <a:solidFill>
-                  <a:schemeClr val="bg1"/>
-                </a:solidFill>
-                <a:latin typeface="+mn-lt"/>
-              </a:rPr>
-              <a:t>http</a:t>
-            </a:r>
-            <a:r>
-              <a:rPr lang="en-US" sz="3200" dirty="0">
-                <a:solidFill>
-                  <a:schemeClr val="bg1"/>
-                </a:solidFill>
-                <a:latin typeface="+mn-lt"/>
-              </a:rPr>
-              <a:t>://aka.ms/webcamps-training-kit </a:t>
-            </a:r>
-          </a:p>
-          <a:p>
-            <a:pPr>
-              <a:spcAft>
-                <a:spcPts val="1200"/>
-              </a:spcAft>
-            </a:pPr>
-            <a:r>
-              <a:rPr lang="en-US" sz="3200" dirty="0">
-                <a:solidFill>
-                  <a:schemeClr val="bg1"/>
-                </a:solidFill>
-                <a:latin typeface="+mn-lt"/>
-              </a:rPr>
-              <a:t>http://aka.ms/webcamps-azure </a:t>
-            </a:r>
-            <a:r>
-              <a:rPr lang="en-US" sz="3200" dirty="0">
-                <a:solidFill>
-                  <a:schemeClr val="bg1"/>
-                </a:solidFill>
-              </a:rPr>
-              <a:t>(free trial)</a:t>
-            </a:r>
-            <a:endParaRPr lang="en-US" sz="3200" dirty="0">
-              <a:solidFill>
-                <a:schemeClr val="bg1"/>
-              </a:solidFill>
-              <a:latin typeface="+mn-lt"/>
-            </a:endParaRPr>
-          </a:p>
-        </p:txBody>
-      </p:sp>
-      <p:sp>
-        <p:nvSpPr>
-          <p:cNvPr id="8" name="Freeform 58"/>
-          <p:cNvSpPr>
-            <a:spLocks noEditPoints="1"/>
-          </p:cNvSpPr>
-          <p:nvPr/>
-        </p:nvSpPr>
-        <p:spPr bwMode="black">
-          <a:xfrm>
-            <a:off x="7197998" y="1141413"/>
-            <a:ext cx="3689695" cy="3954680"/>
-          </a:xfrm>
-          <a:custGeom>
-            <a:avLst/>
-            <a:gdLst>
-              <a:gd name="T0" fmla="*/ 181 w 182"/>
-              <a:gd name="T1" fmla="*/ 65 h 195"/>
-              <a:gd name="T2" fmla="*/ 88 w 182"/>
-              <a:gd name="T3" fmla="*/ 0 h 195"/>
-              <a:gd name="T4" fmla="*/ 88 w 182"/>
-              <a:gd name="T5" fmla="*/ 40 h 195"/>
-              <a:gd name="T6" fmla="*/ 1 w 182"/>
-              <a:gd name="T7" fmla="*/ 40 h 195"/>
-              <a:gd name="T8" fmla="*/ 1 w 182"/>
-              <a:gd name="T9" fmla="*/ 89 h 195"/>
-              <a:gd name="T10" fmla="*/ 57 w 182"/>
-              <a:gd name="T11" fmla="*/ 89 h 195"/>
-              <a:gd name="T12" fmla="*/ 88 w 182"/>
-              <a:gd name="T13" fmla="*/ 68 h 195"/>
-              <a:gd name="T14" fmla="*/ 88 w 182"/>
-              <a:gd name="T15" fmla="*/ 130 h 195"/>
-              <a:gd name="T16" fmla="*/ 181 w 182"/>
-              <a:gd name="T17" fmla="*/ 65 h 195"/>
-              <a:gd name="T18" fmla="*/ 19 w 182"/>
-              <a:gd name="T19" fmla="*/ 127 h 195"/>
-              <a:gd name="T20" fmla="*/ 88 w 182"/>
-              <a:gd name="T21" fmla="*/ 172 h 195"/>
-              <a:gd name="T22" fmla="*/ 88 w 182"/>
-              <a:gd name="T23" fmla="*/ 142 h 195"/>
-              <a:gd name="T24" fmla="*/ 178 w 182"/>
-              <a:gd name="T25" fmla="*/ 142 h 195"/>
-              <a:gd name="T26" fmla="*/ 178 w 182"/>
-              <a:gd name="T27" fmla="*/ 153 h 195"/>
-              <a:gd name="T28" fmla="*/ 100 w 182"/>
-              <a:gd name="T29" fmla="*/ 153 h 195"/>
-              <a:gd name="T30" fmla="*/ 100 w 182"/>
-              <a:gd name="T31" fmla="*/ 195 h 195"/>
-              <a:gd name="T32" fmla="*/ 0 w 182"/>
-              <a:gd name="T33" fmla="*/ 127 h 195"/>
-              <a:gd name="T34" fmla="*/ 19 w 182"/>
-              <a:gd name="T35" fmla="*/ 127 h 195"/>
-            </a:gdLst>
-            <a:ahLst/>
-            <a:cxnLst>
-              <a:cxn ang="0">
-                <a:pos x="T0" y="T1"/>
-              </a:cxn>
-              <a:cxn ang="0">
-                <a:pos x="T2" y="T3"/>
-              </a:cxn>
-              <a:cxn ang="0">
-                <a:pos x="T4" y="T5"/>
-              </a:cxn>
-              <a:cxn ang="0">
-                <a:pos x="T6" y="T7"/>
-              </a:cxn>
-              <a:cxn ang="0">
-                <a:pos x="T8" y="T9"/>
-              </a:cxn>
-              <a:cxn ang="0">
-                <a:pos x="T10" y="T11"/>
-              </a:cxn>
-              <a:cxn ang="0">
-                <a:pos x="T12" y="T13"/>
-              </a:cxn>
-              <a:cxn ang="0">
-                <a:pos x="T14" y="T15"/>
-              </a:cxn>
-              <a:cxn ang="0">
-                <a:pos x="T16" y="T17"/>
-              </a:cxn>
-              <a:cxn ang="0">
-                <a:pos x="T18" y="T19"/>
-              </a:cxn>
-              <a:cxn ang="0">
-                <a:pos x="T20" y="T21"/>
-              </a:cxn>
-              <a:cxn ang="0">
-                <a:pos x="T22" y="T23"/>
-              </a:cxn>
-              <a:cxn ang="0">
-                <a:pos x="T24" y="T25"/>
-              </a:cxn>
-              <a:cxn ang="0">
-                <a:pos x="T26" y="T27"/>
-              </a:cxn>
-              <a:cxn ang="0">
-                <a:pos x="T28" y="T29"/>
-              </a:cxn>
-              <a:cxn ang="0">
-                <a:pos x="T30" y="T31"/>
-              </a:cxn>
-              <a:cxn ang="0">
-                <a:pos x="T32" y="T33"/>
-              </a:cxn>
-              <a:cxn ang="0">
-                <a:pos x="T34" y="T35"/>
-              </a:cxn>
-            </a:cxnLst>
-            <a:rect l="0" t="0" r="r" b="b"/>
-            <a:pathLst>
-              <a:path w="182" h="195">
-                <a:moveTo>
-                  <a:pt x="181" y="65"/>
-                </a:moveTo>
-                <a:cubicBezTo>
-                  <a:pt x="88" y="0"/>
-                  <a:pt x="88" y="0"/>
-                  <a:pt x="88" y="0"/>
-                </a:cubicBezTo>
-                <a:cubicBezTo>
-                  <a:pt x="88" y="40"/>
-                  <a:pt x="88" y="40"/>
-                  <a:pt x="88" y="40"/>
-                </a:cubicBezTo>
-                <a:cubicBezTo>
-                  <a:pt x="1" y="40"/>
-                  <a:pt x="1" y="40"/>
-                  <a:pt x="1" y="40"/>
-                </a:cubicBezTo>
-                <a:cubicBezTo>
-                  <a:pt x="1" y="89"/>
-                  <a:pt x="1" y="89"/>
-                  <a:pt x="1" y="89"/>
-                </a:cubicBezTo>
-                <a:cubicBezTo>
-                  <a:pt x="57" y="89"/>
-                  <a:pt x="57" y="89"/>
-                  <a:pt x="57" y="89"/>
-                </a:cubicBezTo>
-                <a:cubicBezTo>
-                  <a:pt x="88" y="68"/>
-                  <a:pt x="88" y="68"/>
-                  <a:pt x="88" y="68"/>
-                </a:cubicBezTo>
-                <a:cubicBezTo>
-                  <a:pt x="88" y="130"/>
-                  <a:pt x="88" y="130"/>
-                  <a:pt x="88" y="130"/>
-                </a:cubicBezTo>
-                <a:cubicBezTo>
-                  <a:pt x="181" y="65"/>
-                  <a:pt x="181" y="65"/>
-                  <a:pt x="181" y="65"/>
-                </a:cubicBezTo>
-                <a:close/>
-                <a:moveTo>
-                  <a:pt x="19" y="127"/>
-                </a:moveTo>
-                <a:cubicBezTo>
-                  <a:pt x="88" y="172"/>
-                  <a:pt x="88" y="172"/>
-                  <a:pt x="88" y="172"/>
-                </a:cubicBezTo>
-                <a:cubicBezTo>
-                  <a:pt x="88" y="142"/>
-                  <a:pt x="88" y="142"/>
-                  <a:pt x="88" y="142"/>
-                </a:cubicBezTo>
-                <a:cubicBezTo>
-                  <a:pt x="178" y="142"/>
-                  <a:pt x="178" y="142"/>
-                  <a:pt x="178" y="142"/>
-                </a:cubicBezTo>
-                <a:cubicBezTo>
-                  <a:pt x="182" y="142"/>
-                  <a:pt x="182" y="153"/>
-                  <a:pt x="178" y="153"/>
-                </a:cubicBezTo>
-                <a:cubicBezTo>
-                  <a:pt x="100" y="153"/>
-                  <a:pt x="100" y="153"/>
-                  <a:pt x="100" y="153"/>
-                </a:cubicBezTo>
-                <a:cubicBezTo>
-                  <a:pt x="100" y="195"/>
-                  <a:pt x="100" y="195"/>
-                  <a:pt x="100" y="195"/>
-                </a:cubicBezTo>
-                <a:cubicBezTo>
-                  <a:pt x="0" y="127"/>
-                  <a:pt x="0" y="127"/>
-                  <a:pt x="0" y="127"/>
-                </a:cubicBezTo>
-                <a:cubicBezTo>
-                  <a:pt x="19" y="127"/>
-                  <a:pt x="19" y="127"/>
-                  <a:pt x="19" y="127"/>
-                </a:cubicBezTo>
-                <a:close/>
-              </a:path>
-            </a:pathLst>
-          </a:custGeom>
-          <a:solidFill>
-            <a:schemeClr val="tx1">
-              <a:lumMod val="10000"/>
-              <a:lumOff val="90000"/>
-            </a:schemeClr>
-          </a:solidFill>
-          <a:ln>
-            <a:noFill/>
-          </a:ln>
-        </p:spPr>
-        <p:txBody>
-          <a:bodyPr vert="horz" wrap="square" lIns="82305" tIns="41153" rIns="82305" bIns="41153" numCol="1" anchor="t" anchorCtr="0" compatLnSpc="1">
-            <a:prstTxWarp prst="textNoShape">
-              <a:avLst/>
-            </a:prstTxWarp>
-          </a:bodyPr>
-          <a:lstStyle/>
-          <a:p>
-            <a:endParaRPr lang="en-US" sz="1600"/>
-          </a:p>
-        </p:txBody>
-      </p:sp>
-    </p:spTree>
-    <p:extLst>
-      <p:ext uri="{BB962C8B-B14F-4D97-AF65-F5344CB8AC3E}">
-        <p14:creationId xmlns:p14="http://schemas.microsoft.com/office/powerpoint/2010/main" val="1360405671"/>
-      </p:ext>
-    </p:extLst>
-  </p:cSld>
-  <p:clrMapOvr>
-    <a:masterClrMapping/>
-  </p:clrMapOvr>
-  <mc:AlternateContent xmlns:mc="http://schemas.openxmlformats.org/markup-compatibility/2006" xmlns:p14="http://schemas.microsoft.com/office/powerpoint/2010/main">
-    <mc:Choice Requires="p14">
-      <p:transition spd="med" p14:dur="700">
-        <p:fade/>
-      </p:transition>
-    </mc:Choice>
-    <mc:Fallback xmlns="">
-      <p:transition spd="med">
-        <p:fade/>
-      </p:transition>
-    </mc:Fallback>
-  </mc:AlternateContent>
   <p:timing>
     <p:tnLst>
       <p:par>
